--- a/content/figs/fig_4_technology_architecture.pptx
+++ b/content/figs/fig_4_technology_architecture.pptx
@@ -3515,7 +3515,7 @@
             <a:pPr algn="ctr"/>
             <a:r>
               <a:rPr lang="en-US" dirty="0" smtClean="0"/>
-              <a:t>Cache Gateway</a:t>
+              <a:t>Content Gateway</a:t>
             </a:r>
             <a:endParaRPr lang="en-US" dirty="0"/>
           </a:p>
@@ -4135,6 +4135,50 @@
           </a:fontRef>
         </p:style>
       </p:cxnSp>
+      <p:sp>
+        <p:nvSpPr>
+          <p:cNvPr id="109" name="Rectangle 108"/>
+          <p:cNvSpPr/>
+          <p:nvPr/>
+        </p:nvSpPr>
+        <p:spPr>
+          <a:xfrm>
+            <a:off x="5223205" y="294334"/>
+            <a:ext cx="1263188" cy="578713"/>
+          </a:xfrm>
+          <a:prstGeom prst="rect">
+            <a:avLst/>
+          </a:prstGeom>
+        </p:spPr>
+        <p:style>
+          <a:lnRef idx="2">
+            <a:schemeClr val="accent1">
+              <a:shade val="50000"/>
+            </a:schemeClr>
+          </a:lnRef>
+          <a:fillRef idx="1">
+            <a:schemeClr val="accent1"/>
+          </a:fillRef>
+          <a:effectRef idx="0">
+            <a:schemeClr val="accent1"/>
+          </a:effectRef>
+          <a:fontRef idx="minor">
+            <a:schemeClr val="lt1"/>
+          </a:fontRef>
+        </p:style>
+        <p:txBody>
+          <a:bodyPr rtlCol="0" anchor="ctr"/>
+          <a:lstStyle/>
+          <a:p>
+            <a:pPr algn="ctr"/>
+            <a:r>
+              <a:rPr lang="en-US" dirty="0" smtClean="0"/>
+              <a:t>Load Balancer </a:t>
+            </a:r>
+            <a:endParaRPr lang="en-US" dirty="0"/>
+          </a:p>
+        </p:txBody>
+      </p:sp>
     </p:spTree>
     <p:extLst>
       <p:ext uri="{BB962C8B-B14F-4D97-AF65-F5344CB8AC3E}">

--- a/content/figs/fig_4_technology_architecture.pptx
+++ b/content/figs/fig_4_technology_architecture.pptx
@@ -104,6 +104,11 @@
       </a:defRPr>
     </a:lvl9pPr>
   </p:defaultTextStyle>
+  <p:extLst>
+    <p:ext uri="{EFAFB233-063F-42B5-8137-9DF3F51BA10A}">
+      <p15:sldGuideLst xmlns:p15="http://schemas.microsoft.com/office/powerpoint/2012/main"/>
+    </p:ext>
+  </p:extLst>
 </p:presentation>
 </file>
 
@@ -238,7 +243,7 @@
           <a:p>
             <a:fld id="{1EC3DB46-BD2D-9747-B512-D8111A4C5786}" type="datetimeFigureOut">
               <a:rPr lang="en-US" smtClean="0"/>
-              <a:t>2/7/18</a:t>
+              <a:t>2/23/18</a:t>
             </a:fld>
             <a:endParaRPr lang="en-US"/>
           </a:p>
@@ -408,7 +413,7 @@
           <a:p>
             <a:fld id="{1EC3DB46-BD2D-9747-B512-D8111A4C5786}" type="datetimeFigureOut">
               <a:rPr lang="en-US" smtClean="0"/>
-              <a:t>2/7/18</a:t>
+              <a:t>2/23/18</a:t>
             </a:fld>
             <a:endParaRPr lang="en-US"/>
           </a:p>
@@ -588,7 +593,7 @@
           <a:p>
             <a:fld id="{1EC3DB46-BD2D-9747-B512-D8111A4C5786}" type="datetimeFigureOut">
               <a:rPr lang="en-US" smtClean="0"/>
-              <a:t>2/7/18</a:t>
+              <a:t>2/23/18</a:t>
             </a:fld>
             <a:endParaRPr lang="en-US"/>
           </a:p>
@@ -758,7 +763,7 @@
           <a:p>
             <a:fld id="{1EC3DB46-BD2D-9747-B512-D8111A4C5786}" type="datetimeFigureOut">
               <a:rPr lang="en-US" smtClean="0"/>
-              <a:t>2/7/18</a:t>
+              <a:t>2/23/18</a:t>
             </a:fld>
             <a:endParaRPr lang="en-US"/>
           </a:p>
@@ -1004,7 +1009,7 @@
           <a:p>
             <a:fld id="{1EC3DB46-BD2D-9747-B512-D8111A4C5786}" type="datetimeFigureOut">
               <a:rPr lang="en-US" smtClean="0"/>
-              <a:t>2/7/18</a:t>
+              <a:t>2/23/18</a:t>
             </a:fld>
             <a:endParaRPr lang="en-US"/>
           </a:p>
@@ -1236,7 +1241,7 @@
           <a:p>
             <a:fld id="{1EC3DB46-BD2D-9747-B512-D8111A4C5786}" type="datetimeFigureOut">
               <a:rPr lang="en-US" smtClean="0"/>
-              <a:t>2/7/18</a:t>
+              <a:t>2/23/18</a:t>
             </a:fld>
             <a:endParaRPr lang="en-US"/>
           </a:p>
@@ -1603,7 +1608,7 @@
           <a:p>
             <a:fld id="{1EC3DB46-BD2D-9747-B512-D8111A4C5786}" type="datetimeFigureOut">
               <a:rPr lang="en-US" smtClean="0"/>
-              <a:t>2/7/18</a:t>
+              <a:t>2/23/18</a:t>
             </a:fld>
             <a:endParaRPr lang="en-US"/>
           </a:p>
@@ -1721,7 +1726,7 @@
           <a:p>
             <a:fld id="{1EC3DB46-BD2D-9747-B512-D8111A4C5786}" type="datetimeFigureOut">
               <a:rPr lang="en-US" smtClean="0"/>
-              <a:t>2/7/18</a:t>
+              <a:t>2/23/18</a:t>
             </a:fld>
             <a:endParaRPr lang="en-US"/>
           </a:p>
@@ -1816,7 +1821,7 @@
           <a:p>
             <a:fld id="{1EC3DB46-BD2D-9747-B512-D8111A4C5786}" type="datetimeFigureOut">
               <a:rPr lang="en-US" smtClean="0"/>
-              <a:t>2/7/18</a:t>
+              <a:t>2/23/18</a:t>
             </a:fld>
             <a:endParaRPr lang="en-US"/>
           </a:p>
@@ -2093,7 +2098,7 @@
           <a:p>
             <a:fld id="{1EC3DB46-BD2D-9747-B512-D8111A4C5786}" type="datetimeFigureOut">
               <a:rPr lang="en-US" smtClean="0"/>
-              <a:t>2/7/18</a:t>
+              <a:t>2/23/18</a:t>
             </a:fld>
             <a:endParaRPr lang="en-US"/>
           </a:p>
@@ -2346,7 +2351,7 @@
           <a:p>
             <a:fld id="{1EC3DB46-BD2D-9747-B512-D8111A4C5786}" type="datetimeFigureOut">
               <a:rPr lang="en-US" smtClean="0"/>
-              <a:t>2/7/18</a:t>
+              <a:t>2/23/18</a:t>
             </a:fld>
             <a:endParaRPr lang="en-US"/>
           </a:p>
@@ -2559,7 +2564,7 @@
           <a:p>
             <a:fld id="{1EC3DB46-BD2D-9747-B512-D8111A4C5786}" type="datetimeFigureOut">
               <a:rPr lang="en-US" smtClean="0"/>
-              <a:t>2/7/18</a:t>
+              <a:t>2/23/18</a:t>
             </a:fld>
             <a:endParaRPr lang="en-US"/>
           </a:p>
@@ -3223,8 +3228,8 @@
           <a:p>
             <a:pPr algn="ctr"/>
             <a:r>
-              <a:rPr lang="en-US" smtClean="0"/>
-              <a:t>API manager</a:t>
+              <a:rPr lang="en-US" dirty="0" smtClean="0"/>
+              <a:t>API</a:t>
             </a:r>
             <a:endParaRPr lang="en-US" dirty="0"/>
           </a:p>
@@ -3268,7 +3273,7 @@
             <a:pPr algn="ctr"/>
             <a:r>
               <a:rPr lang="en-US" sz="1600" dirty="0" smtClean="0"/>
-              <a:t>Web Application</a:t>
+              <a:t>API Manager</a:t>
             </a:r>
             <a:endParaRPr lang="en-US" sz="1600" dirty="0"/>
           </a:p>
@@ -3914,7 +3919,6 @@
               <a:rPr lang="en-US" dirty="0" smtClean="0"/>
               <a:t>8. The streaming Server streams the content back to the Web Application</a:t>
             </a:r>
-            <a:endParaRPr lang="en-US" dirty="0" smtClean="0"/>
           </a:p>
           <a:p>
             <a:endParaRPr lang="en-US" dirty="0"/>

--- a/content/figs/fig_4_technology_architecture.pptx
+++ b/content/figs/fig_4_technology_architecture.pptx
@@ -6,6 +6,10 @@
   </p:sldMasterIdLst>
   <p:sldIdLst>
     <p:sldId id="256" r:id="rId2"/>
+    <p:sldId id="260" r:id="rId3"/>
+    <p:sldId id="257" r:id="rId4"/>
+    <p:sldId id="258" r:id="rId5"/>
+    <p:sldId id="259" r:id="rId6"/>
   </p:sldIdLst>
   <p:sldSz cx="12192000" cy="6858000"/>
   <p:notesSz cx="6858000" cy="9144000"/>
@@ -4196,6 +4200,3967 @@
 </p:sld>
 </file>
 
+<file path=ppt/slides/slide2.xml><?xml version="1.0" encoding="utf-8"?>
+<p:sld xmlns:a="http://schemas.openxmlformats.org/drawingml/2006/main" xmlns:r="http://schemas.openxmlformats.org/officeDocument/2006/relationships" xmlns:p="http://schemas.openxmlformats.org/presentationml/2006/main">
+  <p:cSld>
+    <p:spTree>
+      <p:nvGrpSpPr>
+        <p:cNvPr id="1" name=""/>
+        <p:cNvGrpSpPr/>
+        <p:nvPr/>
+      </p:nvGrpSpPr>
+      <p:grpSpPr>
+        <a:xfrm>
+          <a:off x="0" y="0"/>
+          <a:ext cx="0" cy="0"/>
+          <a:chOff x="0" y="0"/>
+          <a:chExt cx="0" cy="0"/>
+        </a:xfrm>
+      </p:grpSpPr>
+      <p:sp>
+        <p:nvSpPr>
+          <p:cNvPr id="4" name="Rectangle 3"/>
+          <p:cNvSpPr/>
+          <p:nvPr/>
+        </p:nvSpPr>
+        <p:spPr>
+          <a:xfrm>
+            <a:off x="5242110" y="299853"/>
+            <a:ext cx="1734671" cy="1008530"/>
+          </a:xfrm>
+          <a:prstGeom prst="rect">
+            <a:avLst/>
+          </a:prstGeom>
+        </p:spPr>
+        <p:style>
+          <a:lnRef idx="2">
+            <a:schemeClr val="accent1">
+              <a:shade val="50000"/>
+            </a:schemeClr>
+          </a:lnRef>
+          <a:fillRef idx="1">
+            <a:schemeClr val="accent1"/>
+          </a:fillRef>
+          <a:effectRef idx="0">
+            <a:schemeClr val="accent1"/>
+          </a:effectRef>
+          <a:fontRef idx="minor">
+            <a:schemeClr val="lt1"/>
+          </a:fontRef>
+        </p:style>
+        <p:txBody>
+          <a:bodyPr rtlCol="0" anchor="ctr"/>
+          <a:lstStyle/>
+          <a:p>
+            <a:pPr algn="ctr"/>
+            <a:r>
+              <a:rPr lang="en-US" dirty="0" smtClean="0"/>
+              <a:t>Catalogue</a:t>
+            </a:r>
+          </a:p>
+          <a:p>
+            <a:pPr algn="ctr"/>
+            <a:r>
+              <a:rPr lang="en-US" dirty="0" smtClean="0"/>
+              <a:t>Service</a:t>
+            </a:r>
+            <a:endParaRPr lang="en-US" dirty="0"/>
+          </a:p>
+        </p:txBody>
+      </p:sp>
+      <p:sp>
+        <p:nvSpPr>
+          <p:cNvPr id="5" name="Rectangle 4"/>
+          <p:cNvSpPr/>
+          <p:nvPr/>
+        </p:nvSpPr>
+        <p:spPr>
+          <a:xfrm>
+            <a:off x="1813112" y="2041712"/>
+            <a:ext cx="1734671" cy="1008530"/>
+          </a:xfrm>
+          <a:prstGeom prst="rect">
+            <a:avLst/>
+          </a:prstGeom>
+        </p:spPr>
+        <p:style>
+          <a:lnRef idx="2">
+            <a:schemeClr val="accent1">
+              <a:shade val="50000"/>
+            </a:schemeClr>
+          </a:lnRef>
+          <a:fillRef idx="1">
+            <a:schemeClr val="accent1"/>
+          </a:fillRef>
+          <a:effectRef idx="0">
+            <a:schemeClr val="accent1"/>
+          </a:effectRef>
+          <a:fontRef idx="minor">
+            <a:schemeClr val="lt1"/>
+          </a:fontRef>
+        </p:style>
+        <p:txBody>
+          <a:bodyPr rtlCol="0" anchor="ctr"/>
+          <a:lstStyle/>
+          <a:p>
+            <a:pPr algn="ctr"/>
+            <a:r>
+              <a:rPr lang="en-US" smtClean="0"/>
+              <a:t>Institution</a:t>
+            </a:r>
+            <a:endParaRPr lang="en-US" dirty="0" smtClean="0"/>
+          </a:p>
+          <a:p>
+            <a:pPr algn="ctr"/>
+            <a:r>
+              <a:rPr lang="en-US" dirty="0" smtClean="0"/>
+              <a:t>Service</a:t>
+            </a:r>
+            <a:endParaRPr lang="en-US" dirty="0"/>
+          </a:p>
+        </p:txBody>
+      </p:sp>
+      <p:sp>
+        <p:nvSpPr>
+          <p:cNvPr id="6" name="Rectangle 5"/>
+          <p:cNvSpPr/>
+          <p:nvPr/>
+        </p:nvSpPr>
+        <p:spPr>
+          <a:xfrm>
+            <a:off x="5242112" y="2041712"/>
+            <a:ext cx="1734671" cy="1008530"/>
+          </a:xfrm>
+          <a:prstGeom prst="rect">
+            <a:avLst/>
+          </a:prstGeom>
+        </p:spPr>
+        <p:style>
+          <a:lnRef idx="2">
+            <a:schemeClr val="accent1">
+              <a:shade val="50000"/>
+            </a:schemeClr>
+          </a:lnRef>
+          <a:fillRef idx="1">
+            <a:schemeClr val="accent1"/>
+          </a:fillRef>
+          <a:effectRef idx="0">
+            <a:schemeClr val="accent1"/>
+          </a:effectRef>
+          <a:fontRef idx="minor">
+            <a:schemeClr val="lt1"/>
+          </a:fontRef>
+        </p:style>
+        <p:txBody>
+          <a:bodyPr rtlCol="0" anchor="ctr"/>
+          <a:lstStyle/>
+          <a:p>
+            <a:pPr algn="ctr"/>
+            <a:r>
+              <a:rPr lang="en-US" smtClean="0"/>
+              <a:t>Course </a:t>
+            </a:r>
+            <a:endParaRPr lang="en-US" dirty="0" smtClean="0"/>
+          </a:p>
+          <a:p>
+            <a:pPr algn="ctr"/>
+            <a:r>
+              <a:rPr lang="en-US" dirty="0" smtClean="0"/>
+              <a:t>Service</a:t>
+            </a:r>
+            <a:endParaRPr lang="en-US" dirty="0"/>
+          </a:p>
+        </p:txBody>
+      </p:sp>
+      <p:sp>
+        <p:nvSpPr>
+          <p:cNvPr id="7" name="Rectangle 6"/>
+          <p:cNvSpPr/>
+          <p:nvPr/>
+        </p:nvSpPr>
+        <p:spPr>
+          <a:xfrm>
+            <a:off x="9054354" y="2041712"/>
+            <a:ext cx="1734671" cy="1008530"/>
+          </a:xfrm>
+          <a:prstGeom prst="rect">
+            <a:avLst/>
+          </a:prstGeom>
+        </p:spPr>
+        <p:style>
+          <a:lnRef idx="2">
+            <a:schemeClr val="accent1">
+              <a:shade val="50000"/>
+            </a:schemeClr>
+          </a:lnRef>
+          <a:fillRef idx="1">
+            <a:schemeClr val="accent1"/>
+          </a:fillRef>
+          <a:effectRef idx="0">
+            <a:schemeClr val="accent1"/>
+          </a:effectRef>
+          <a:fontRef idx="minor">
+            <a:schemeClr val="lt1"/>
+          </a:fontRef>
+        </p:style>
+        <p:txBody>
+          <a:bodyPr rtlCol="0" anchor="ctr"/>
+          <a:lstStyle/>
+          <a:p>
+            <a:pPr algn="ctr"/>
+            <a:r>
+              <a:rPr lang="en-US" dirty="0" smtClean="0"/>
+              <a:t>User</a:t>
+            </a:r>
+          </a:p>
+          <a:p>
+            <a:pPr algn="ctr"/>
+            <a:r>
+              <a:rPr lang="en-US" dirty="0" smtClean="0"/>
+              <a:t>Service</a:t>
+            </a:r>
+            <a:endParaRPr lang="en-US" dirty="0"/>
+          </a:p>
+        </p:txBody>
+      </p:sp>
+      <p:cxnSp>
+        <p:nvCxnSpPr>
+          <p:cNvPr id="9" name="Straight Arrow Connector 8"/>
+          <p:cNvCxnSpPr>
+            <a:stCxn id="4" idx="2"/>
+            <a:endCxn id="5" idx="0"/>
+          </p:cNvCxnSpPr>
+          <p:nvPr/>
+        </p:nvCxnSpPr>
+        <p:spPr>
+          <a:xfrm flipH="1">
+            <a:off x="2680448" y="1308383"/>
+            <a:ext cx="3428998" cy="733329"/>
+          </a:xfrm>
+          <a:prstGeom prst="straightConnector1">
+            <a:avLst/>
+          </a:prstGeom>
+          <a:ln>
+            <a:tailEnd type="triangle"/>
+          </a:ln>
+        </p:spPr>
+        <p:style>
+          <a:lnRef idx="1">
+            <a:schemeClr val="accent1"/>
+          </a:lnRef>
+          <a:fillRef idx="0">
+            <a:schemeClr val="accent1"/>
+          </a:fillRef>
+          <a:effectRef idx="0">
+            <a:schemeClr val="accent1"/>
+          </a:effectRef>
+          <a:fontRef idx="minor">
+            <a:schemeClr val="tx1"/>
+          </a:fontRef>
+        </p:style>
+      </p:cxnSp>
+      <p:cxnSp>
+        <p:nvCxnSpPr>
+          <p:cNvPr id="11" name="Straight Arrow Connector 10"/>
+          <p:cNvCxnSpPr>
+            <a:stCxn id="4" idx="2"/>
+            <a:endCxn id="6" idx="0"/>
+          </p:cNvCxnSpPr>
+          <p:nvPr/>
+        </p:nvCxnSpPr>
+        <p:spPr>
+          <a:xfrm>
+            <a:off x="6109446" y="1308383"/>
+            <a:ext cx="2" cy="733329"/>
+          </a:xfrm>
+          <a:prstGeom prst="straightConnector1">
+            <a:avLst/>
+          </a:prstGeom>
+          <a:ln>
+            <a:tailEnd type="triangle"/>
+          </a:ln>
+        </p:spPr>
+        <p:style>
+          <a:lnRef idx="1">
+            <a:schemeClr val="accent1"/>
+          </a:lnRef>
+          <a:fillRef idx="0">
+            <a:schemeClr val="accent1"/>
+          </a:fillRef>
+          <a:effectRef idx="0">
+            <a:schemeClr val="accent1"/>
+          </a:effectRef>
+          <a:fontRef idx="minor">
+            <a:schemeClr val="tx1"/>
+          </a:fontRef>
+        </p:style>
+      </p:cxnSp>
+      <p:cxnSp>
+        <p:nvCxnSpPr>
+          <p:cNvPr id="13" name="Straight Arrow Connector 12"/>
+          <p:cNvCxnSpPr>
+            <a:stCxn id="4" idx="2"/>
+            <a:endCxn id="7" idx="0"/>
+          </p:cNvCxnSpPr>
+          <p:nvPr/>
+        </p:nvCxnSpPr>
+        <p:spPr>
+          <a:xfrm>
+            <a:off x="6109446" y="1308383"/>
+            <a:ext cx="3812244" cy="733329"/>
+          </a:xfrm>
+          <a:prstGeom prst="straightConnector1">
+            <a:avLst/>
+          </a:prstGeom>
+          <a:ln>
+            <a:tailEnd type="triangle"/>
+          </a:ln>
+        </p:spPr>
+        <p:style>
+          <a:lnRef idx="1">
+            <a:schemeClr val="accent1"/>
+          </a:lnRef>
+          <a:fillRef idx="0">
+            <a:schemeClr val="accent1"/>
+          </a:fillRef>
+          <a:effectRef idx="0">
+            <a:schemeClr val="accent1"/>
+          </a:effectRef>
+          <a:fontRef idx="minor">
+            <a:schemeClr val="tx1"/>
+          </a:fontRef>
+        </p:style>
+      </p:cxnSp>
+      <p:cxnSp>
+        <p:nvCxnSpPr>
+          <p:cNvPr id="18" name="Straight Arrow Connector 17"/>
+          <p:cNvCxnSpPr>
+            <a:stCxn id="5" idx="3"/>
+            <a:endCxn id="6" idx="1"/>
+          </p:cNvCxnSpPr>
+          <p:nvPr/>
+        </p:nvCxnSpPr>
+        <p:spPr>
+          <a:xfrm>
+            <a:off x="3547783" y="2545977"/>
+            <a:ext cx="1694329" cy="0"/>
+          </a:xfrm>
+          <a:prstGeom prst="straightConnector1">
+            <a:avLst/>
+          </a:prstGeom>
+          <a:ln>
+            <a:tailEnd type="triangle"/>
+          </a:ln>
+        </p:spPr>
+        <p:style>
+          <a:lnRef idx="1">
+            <a:schemeClr val="accent1"/>
+          </a:lnRef>
+          <a:fillRef idx="0">
+            <a:schemeClr val="accent1"/>
+          </a:fillRef>
+          <a:effectRef idx="0">
+            <a:schemeClr val="accent1"/>
+          </a:effectRef>
+          <a:fontRef idx="minor">
+            <a:schemeClr val="tx1"/>
+          </a:fontRef>
+        </p:style>
+      </p:cxnSp>
+      <p:sp>
+        <p:nvSpPr>
+          <p:cNvPr id="19" name="TextBox 18"/>
+          <p:cNvSpPr txBox="1"/>
+          <p:nvPr/>
+        </p:nvSpPr>
+        <p:spPr>
+          <a:xfrm>
+            <a:off x="3653817" y="2176645"/>
+            <a:ext cx="1099019" cy="369332"/>
+          </a:xfrm>
+          <a:prstGeom prst="rect">
+            <a:avLst/>
+          </a:prstGeom>
+          <a:noFill/>
+        </p:spPr>
+        <p:txBody>
+          <a:bodyPr wrap="none" rtlCol="0">
+            <a:spAutoFit/>
+          </a:bodyPr>
+          <a:lstStyle/>
+          <a:p>
+            <a:r>
+              <a:rPr lang="en-US" smtClean="0"/>
+              <a:t>Has many</a:t>
+            </a:r>
+            <a:endParaRPr lang="en-US"/>
+          </a:p>
+        </p:txBody>
+      </p:sp>
+      <p:sp>
+        <p:nvSpPr>
+          <p:cNvPr id="20" name="Rectangle 19"/>
+          <p:cNvSpPr/>
+          <p:nvPr/>
+        </p:nvSpPr>
+        <p:spPr>
+          <a:xfrm>
+            <a:off x="5242111" y="3808687"/>
+            <a:ext cx="1734671" cy="1008530"/>
+          </a:xfrm>
+          <a:prstGeom prst="rect">
+            <a:avLst/>
+          </a:prstGeom>
+        </p:spPr>
+        <p:style>
+          <a:lnRef idx="2">
+            <a:schemeClr val="accent1">
+              <a:shade val="50000"/>
+            </a:schemeClr>
+          </a:lnRef>
+          <a:fillRef idx="1">
+            <a:schemeClr val="accent1"/>
+          </a:fillRef>
+          <a:effectRef idx="0">
+            <a:schemeClr val="accent1"/>
+          </a:effectRef>
+          <a:fontRef idx="minor">
+            <a:schemeClr val="lt1"/>
+          </a:fontRef>
+        </p:style>
+        <p:txBody>
+          <a:bodyPr rtlCol="0" anchor="ctr"/>
+          <a:lstStyle/>
+          <a:p>
+            <a:pPr algn="ctr"/>
+            <a:r>
+              <a:rPr lang="en-US" dirty="0" smtClean="0"/>
+              <a:t>Module</a:t>
+            </a:r>
+          </a:p>
+          <a:p>
+            <a:pPr algn="ctr"/>
+            <a:r>
+              <a:rPr lang="en-US" dirty="0" smtClean="0"/>
+              <a:t>Service</a:t>
+            </a:r>
+            <a:endParaRPr lang="en-US" dirty="0"/>
+          </a:p>
+        </p:txBody>
+      </p:sp>
+      <p:cxnSp>
+        <p:nvCxnSpPr>
+          <p:cNvPr id="21" name="Straight Arrow Connector 20"/>
+          <p:cNvCxnSpPr/>
+          <p:nvPr/>
+        </p:nvCxnSpPr>
+        <p:spPr>
+          <a:xfrm>
+            <a:off x="6078071" y="3050242"/>
+            <a:ext cx="0" cy="744071"/>
+          </a:xfrm>
+          <a:prstGeom prst="straightConnector1">
+            <a:avLst/>
+          </a:prstGeom>
+          <a:ln>
+            <a:tailEnd type="triangle"/>
+          </a:ln>
+        </p:spPr>
+        <p:style>
+          <a:lnRef idx="1">
+            <a:schemeClr val="accent1"/>
+          </a:lnRef>
+          <a:fillRef idx="0">
+            <a:schemeClr val="accent1"/>
+          </a:fillRef>
+          <a:effectRef idx="0">
+            <a:schemeClr val="accent1"/>
+          </a:effectRef>
+          <a:fontRef idx="minor">
+            <a:schemeClr val="tx1"/>
+          </a:fontRef>
+        </p:style>
+      </p:cxnSp>
+      <p:sp>
+        <p:nvSpPr>
+          <p:cNvPr id="22" name="TextBox 21"/>
+          <p:cNvSpPr txBox="1"/>
+          <p:nvPr/>
+        </p:nvSpPr>
+        <p:spPr>
+          <a:xfrm>
+            <a:off x="4979052" y="3210291"/>
+            <a:ext cx="1099019" cy="369332"/>
+          </a:xfrm>
+          <a:prstGeom prst="rect">
+            <a:avLst/>
+          </a:prstGeom>
+          <a:noFill/>
+        </p:spPr>
+        <p:txBody>
+          <a:bodyPr wrap="none" rtlCol="0">
+            <a:spAutoFit/>
+          </a:bodyPr>
+          <a:lstStyle/>
+          <a:p>
+            <a:r>
+              <a:rPr lang="en-US" smtClean="0"/>
+              <a:t>Has many</a:t>
+            </a:r>
+            <a:endParaRPr lang="en-US"/>
+          </a:p>
+        </p:txBody>
+      </p:sp>
+      <p:cxnSp>
+        <p:nvCxnSpPr>
+          <p:cNvPr id="25" name="Straight Arrow Connector 24"/>
+          <p:cNvCxnSpPr>
+            <a:stCxn id="5" idx="2"/>
+            <a:endCxn id="20" idx="1"/>
+          </p:cNvCxnSpPr>
+          <p:nvPr/>
+        </p:nvCxnSpPr>
+        <p:spPr>
+          <a:xfrm>
+            <a:off x="2680448" y="3050242"/>
+            <a:ext cx="2561663" cy="1262710"/>
+          </a:xfrm>
+          <a:prstGeom prst="straightConnector1">
+            <a:avLst/>
+          </a:prstGeom>
+          <a:ln>
+            <a:tailEnd type="triangle"/>
+          </a:ln>
+        </p:spPr>
+        <p:style>
+          <a:lnRef idx="1">
+            <a:schemeClr val="accent1"/>
+          </a:lnRef>
+          <a:fillRef idx="0">
+            <a:schemeClr val="accent1"/>
+          </a:fillRef>
+          <a:effectRef idx="0">
+            <a:schemeClr val="accent1"/>
+          </a:effectRef>
+          <a:fontRef idx="minor">
+            <a:schemeClr val="tx1"/>
+          </a:fontRef>
+        </p:style>
+      </p:cxnSp>
+      <p:sp>
+        <p:nvSpPr>
+          <p:cNvPr id="26" name="TextBox 25"/>
+          <p:cNvSpPr txBox="1"/>
+          <p:nvPr/>
+        </p:nvSpPr>
+        <p:spPr>
+          <a:xfrm>
+            <a:off x="2680447" y="3579623"/>
+            <a:ext cx="1099019" cy="369332"/>
+          </a:xfrm>
+          <a:prstGeom prst="rect">
+            <a:avLst/>
+          </a:prstGeom>
+          <a:noFill/>
+        </p:spPr>
+        <p:txBody>
+          <a:bodyPr wrap="none" rtlCol="0">
+            <a:spAutoFit/>
+          </a:bodyPr>
+          <a:lstStyle/>
+          <a:p>
+            <a:r>
+              <a:rPr lang="en-US" smtClean="0"/>
+              <a:t>Has many</a:t>
+            </a:r>
+            <a:endParaRPr lang="en-US"/>
+          </a:p>
+        </p:txBody>
+      </p:sp>
+      <p:cxnSp>
+        <p:nvCxnSpPr>
+          <p:cNvPr id="28" name="Straight Arrow Connector 27"/>
+          <p:cNvCxnSpPr>
+            <a:stCxn id="7" idx="1"/>
+            <a:endCxn id="6" idx="3"/>
+          </p:cNvCxnSpPr>
+          <p:nvPr/>
+        </p:nvCxnSpPr>
+        <p:spPr>
+          <a:xfrm flipH="1">
+            <a:off x="6976783" y="2545977"/>
+            <a:ext cx="2077571" cy="0"/>
+          </a:xfrm>
+          <a:prstGeom prst="straightConnector1">
+            <a:avLst/>
+          </a:prstGeom>
+          <a:ln>
+            <a:tailEnd type="triangle"/>
+          </a:ln>
+        </p:spPr>
+        <p:style>
+          <a:lnRef idx="1">
+            <a:schemeClr val="accent1"/>
+          </a:lnRef>
+          <a:fillRef idx="0">
+            <a:schemeClr val="accent1"/>
+          </a:fillRef>
+          <a:effectRef idx="0">
+            <a:schemeClr val="accent1"/>
+          </a:effectRef>
+          <a:fontRef idx="minor">
+            <a:schemeClr val="tx1"/>
+          </a:fontRef>
+        </p:style>
+      </p:cxnSp>
+      <p:cxnSp>
+        <p:nvCxnSpPr>
+          <p:cNvPr id="30" name="Straight Arrow Connector 29"/>
+          <p:cNvCxnSpPr>
+            <a:stCxn id="7" idx="2"/>
+            <a:endCxn id="20" idx="3"/>
+          </p:cNvCxnSpPr>
+          <p:nvPr/>
+        </p:nvCxnSpPr>
+        <p:spPr>
+          <a:xfrm flipH="1">
+            <a:off x="6976782" y="3050242"/>
+            <a:ext cx="2944908" cy="1262710"/>
+          </a:xfrm>
+          <a:prstGeom prst="straightConnector1">
+            <a:avLst/>
+          </a:prstGeom>
+          <a:ln>
+            <a:tailEnd type="triangle"/>
+          </a:ln>
+        </p:spPr>
+        <p:style>
+          <a:lnRef idx="1">
+            <a:schemeClr val="accent1"/>
+          </a:lnRef>
+          <a:fillRef idx="0">
+            <a:schemeClr val="accent1"/>
+          </a:fillRef>
+          <a:effectRef idx="0">
+            <a:schemeClr val="accent1"/>
+          </a:effectRef>
+          <a:fontRef idx="minor">
+            <a:schemeClr val="tx1"/>
+          </a:fontRef>
+        </p:style>
+      </p:cxnSp>
+      <p:sp>
+        <p:nvSpPr>
+          <p:cNvPr id="31" name="TextBox 30"/>
+          <p:cNvSpPr txBox="1"/>
+          <p:nvPr/>
+        </p:nvSpPr>
+        <p:spPr>
+          <a:xfrm>
+            <a:off x="7955335" y="2144148"/>
+            <a:ext cx="1099019" cy="369332"/>
+          </a:xfrm>
+          <a:prstGeom prst="rect">
+            <a:avLst/>
+          </a:prstGeom>
+          <a:noFill/>
+        </p:spPr>
+        <p:txBody>
+          <a:bodyPr wrap="none" rtlCol="0">
+            <a:spAutoFit/>
+          </a:bodyPr>
+          <a:lstStyle/>
+          <a:p>
+            <a:r>
+              <a:rPr lang="en-US" smtClean="0"/>
+              <a:t>Has many</a:t>
+            </a:r>
+            <a:endParaRPr lang="en-US"/>
+          </a:p>
+        </p:txBody>
+      </p:sp>
+      <p:sp>
+        <p:nvSpPr>
+          <p:cNvPr id="32" name="TextBox 31"/>
+          <p:cNvSpPr txBox="1"/>
+          <p:nvPr/>
+        </p:nvSpPr>
+        <p:spPr>
+          <a:xfrm>
+            <a:off x="8439426" y="3609647"/>
+            <a:ext cx="1099019" cy="369332"/>
+          </a:xfrm>
+          <a:prstGeom prst="rect">
+            <a:avLst/>
+          </a:prstGeom>
+          <a:noFill/>
+        </p:spPr>
+        <p:txBody>
+          <a:bodyPr wrap="none" rtlCol="0">
+            <a:spAutoFit/>
+          </a:bodyPr>
+          <a:lstStyle/>
+          <a:p>
+            <a:r>
+              <a:rPr lang="en-US" smtClean="0"/>
+              <a:t>Has many</a:t>
+            </a:r>
+            <a:endParaRPr lang="en-US"/>
+          </a:p>
+        </p:txBody>
+      </p:sp>
+      <p:sp>
+        <p:nvSpPr>
+          <p:cNvPr id="33" name="Rectangle 32"/>
+          <p:cNvSpPr/>
+          <p:nvPr/>
+        </p:nvSpPr>
+        <p:spPr>
+          <a:xfrm>
+            <a:off x="5174877" y="5549691"/>
+            <a:ext cx="1734671" cy="1008530"/>
+          </a:xfrm>
+          <a:prstGeom prst="rect">
+            <a:avLst/>
+          </a:prstGeom>
+        </p:spPr>
+        <p:style>
+          <a:lnRef idx="2">
+            <a:schemeClr val="accent1">
+              <a:shade val="50000"/>
+            </a:schemeClr>
+          </a:lnRef>
+          <a:fillRef idx="1">
+            <a:schemeClr val="accent1"/>
+          </a:fillRef>
+          <a:effectRef idx="0">
+            <a:schemeClr val="accent1"/>
+          </a:effectRef>
+          <a:fontRef idx="minor">
+            <a:schemeClr val="lt1"/>
+          </a:fontRef>
+        </p:style>
+        <p:txBody>
+          <a:bodyPr rtlCol="0" anchor="ctr"/>
+          <a:lstStyle/>
+          <a:p>
+            <a:pPr algn="ctr"/>
+            <a:r>
+              <a:rPr lang="en-US" dirty="0" smtClean="0"/>
+              <a:t>Tag</a:t>
+            </a:r>
+          </a:p>
+          <a:p>
+            <a:pPr algn="ctr"/>
+            <a:r>
+              <a:rPr lang="en-US" dirty="0" smtClean="0"/>
+              <a:t>Service</a:t>
+            </a:r>
+            <a:endParaRPr lang="en-US" dirty="0"/>
+          </a:p>
+        </p:txBody>
+      </p:sp>
+      <p:sp>
+        <p:nvSpPr>
+          <p:cNvPr id="34" name="TextBox 33"/>
+          <p:cNvSpPr txBox="1"/>
+          <p:nvPr/>
+        </p:nvSpPr>
+        <p:spPr>
+          <a:xfrm>
+            <a:off x="4979051" y="5007828"/>
+            <a:ext cx="1099019" cy="369332"/>
+          </a:xfrm>
+          <a:prstGeom prst="rect">
+            <a:avLst/>
+          </a:prstGeom>
+          <a:noFill/>
+        </p:spPr>
+        <p:txBody>
+          <a:bodyPr wrap="none" rtlCol="0">
+            <a:spAutoFit/>
+          </a:bodyPr>
+          <a:lstStyle/>
+          <a:p>
+            <a:r>
+              <a:rPr lang="en-US" smtClean="0"/>
+              <a:t>Has many</a:t>
+            </a:r>
+            <a:endParaRPr lang="en-US"/>
+          </a:p>
+        </p:txBody>
+      </p:sp>
+      <p:cxnSp>
+        <p:nvCxnSpPr>
+          <p:cNvPr id="35" name="Straight Arrow Connector 34"/>
+          <p:cNvCxnSpPr/>
+          <p:nvPr/>
+        </p:nvCxnSpPr>
+        <p:spPr>
+          <a:xfrm>
+            <a:off x="6042213" y="4831591"/>
+            <a:ext cx="0" cy="744071"/>
+          </a:xfrm>
+          <a:prstGeom prst="straightConnector1">
+            <a:avLst/>
+          </a:prstGeom>
+          <a:ln>
+            <a:tailEnd type="triangle"/>
+          </a:ln>
+        </p:spPr>
+        <p:style>
+          <a:lnRef idx="1">
+            <a:schemeClr val="accent1"/>
+          </a:lnRef>
+          <a:fillRef idx="0">
+            <a:schemeClr val="accent1"/>
+          </a:fillRef>
+          <a:effectRef idx="0">
+            <a:schemeClr val="accent1"/>
+          </a:effectRef>
+          <a:fontRef idx="minor">
+            <a:schemeClr val="tx1"/>
+          </a:fontRef>
+        </p:style>
+      </p:cxnSp>
+    </p:spTree>
+    <p:extLst>
+      <p:ext uri="{BB962C8B-B14F-4D97-AF65-F5344CB8AC3E}">
+        <p14:creationId xmlns:p14="http://schemas.microsoft.com/office/powerpoint/2010/main" val="798728687"/>
+      </p:ext>
+    </p:extLst>
+  </p:cSld>
+  <p:clrMapOvr>
+    <a:masterClrMapping/>
+  </p:clrMapOvr>
+</p:sld>
+</file>
+
+<file path=ppt/slides/slide3.xml><?xml version="1.0" encoding="utf-8"?>
+<p:sld xmlns:a="http://schemas.openxmlformats.org/drawingml/2006/main" xmlns:r="http://schemas.openxmlformats.org/officeDocument/2006/relationships" xmlns:p="http://schemas.openxmlformats.org/presentationml/2006/main">
+  <p:cSld>
+    <p:spTree>
+      <p:nvGrpSpPr>
+        <p:cNvPr id="1" name=""/>
+        <p:cNvGrpSpPr/>
+        <p:nvPr/>
+      </p:nvGrpSpPr>
+      <p:grpSpPr>
+        <a:xfrm>
+          <a:off x="0" y="0"/>
+          <a:ext cx="0" cy="0"/>
+          <a:chOff x="0" y="0"/>
+          <a:chExt cx="0" cy="0"/>
+        </a:xfrm>
+      </p:grpSpPr>
+      <p:sp>
+        <p:nvSpPr>
+          <p:cNvPr id="35" name="Rectangle 34"/>
+          <p:cNvSpPr/>
+          <p:nvPr/>
+        </p:nvSpPr>
+        <p:spPr>
+          <a:xfrm>
+            <a:off x="0" y="2601985"/>
+            <a:ext cx="12192000" cy="4256015"/>
+          </a:xfrm>
+          <a:prstGeom prst="rect">
+            <a:avLst/>
+          </a:prstGeom>
+          <a:solidFill>
+            <a:schemeClr val="accent1">
+              <a:alpha val="25000"/>
+            </a:schemeClr>
+          </a:solidFill>
+        </p:spPr>
+        <p:style>
+          <a:lnRef idx="2">
+            <a:schemeClr val="accent1">
+              <a:shade val="50000"/>
+            </a:schemeClr>
+          </a:lnRef>
+          <a:fillRef idx="1">
+            <a:schemeClr val="accent1"/>
+          </a:fillRef>
+          <a:effectRef idx="0">
+            <a:schemeClr val="accent1"/>
+          </a:effectRef>
+          <a:fontRef idx="minor">
+            <a:schemeClr val="lt1"/>
+          </a:fontRef>
+        </p:style>
+        <p:txBody>
+          <a:bodyPr rtlCol="0" anchor="ctr"/>
+          <a:lstStyle/>
+          <a:p>
+            <a:pPr algn="ctr"/>
+            <a:r>
+              <a:rPr lang="en-US" smtClean="0"/>
+              <a:t>sd</a:t>
+            </a:r>
+            <a:endParaRPr lang="en-US" dirty="0"/>
+          </a:p>
+        </p:txBody>
+      </p:sp>
+      <p:sp>
+        <p:nvSpPr>
+          <p:cNvPr id="4" name="Can 3"/>
+          <p:cNvSpPr/>
+          <p:nvPr/>
+        </p:nvSpPr>
+        <p:spPr>
+          <a:xfrm>
+            <a:off x="2538556" y="5453958"/>
+            <a:ext cx="1585732" cy="1226531"/>
+          </a:xfrm>
+          <a:prstGeom prst="can">
+            <a:avLst/>
+          </a:prstGeom>
+        </p:spPr>
+        <p:style>
+          <a:lnRef idx="2">
+            <a:schemeClr val="accent1">
+              <a:shade val="50000"/>
+            </a:schemeClr>
+          </a:lnRef>
+          <a:fillRef idx="1">
+            <a:schemeClr val="accent1"/>
+          </a:fillRef>
+          <a:effectRef idx="0">
+            <a:schemeClr val="accent1"/>
+          </a:effectRef>
+          <a:fontRef idx="minor">
+            <a:schemeClr val="lt1"/>
+          </a:fontRef>
+        </p:style>
+        <p:txBody>
+          <a:bodyPr rtlCol="0" anchor="ctr"/>
+          <a:lstStyle/>
+          <a:p>
+            <a:pPr algn="ctr"/>
+            <a:r>
+              <a:rPr lang="en-US" dirty="0" smtClean="0"/>
+              <a:t>Relational Database</a:t>
+            </a:r>
+          </a:p>
+        </p:txBody>
+      </p:sp>
+      <p:sp>
+        <p:nvSpPr>
+          <p:cNvPr id="5" name="Can 4"/>
+          <p:cNvSpPr/>
+          <p:nvPr/>
+        </p:nvSpPr>
+        <p:spPr>
+          <a:xfrm>
+            <a:off x="8663088" y="5351541"/>
+            <a:ext cx="1585732" cy="1377115"/>
+          </a:xfrm>
+          <a:prstGeom prst="can">
+            <a:avLst/>
+          </a:prstGeom>
+        </p:spPr>
+        <p:style>
+          <a:lnRef idx="2">
+            <a:schemeClr val="accent1">
+              <a:shade val="50000"/>
+            </a:schemeClr>
+          </a:lnRef>
+          <a:fillRef idx="1">
+            <a:schemeClr val="accent1"/>
+          </a:fillRef>
+          <a:effectRef idx="0">
+            <a:schemeClr val="accent1"/>
+          </a:effectRef>
+          <a:fontRef idx="minor">
+            <a:schemeClr val="lt1"/>
+          </a:fontRef>
+        </p:style>
+        <p:txBody>
+          <a:bodyPr rtlCol="0" anchor="ctr"/>
+          <a:lstStyle/>
+          <a:p>
+            <a:pPr algn="ctr"/>
+            <a:r>
+              <a:rPr lang="en-US" dirty="0" smtClean="0"/>
+              <a:t>Content Store</a:t>
+            </a:r>
+          </a:p>
+          <a:p>
+            <a:pPr algn="ctr"/>
+            <a:endParaRPr lang="en-US" dirty="0"/>
+          </a:p>
+        </p:txBody>
+      </p:sp>
+      <p:sp>
+        <p:nvSpPr>
+          <p:cNvPr id="6" name="Rectangle 5"/>
+          <p:cNvSpPr/>
+          <p:nvPr/>
+        </p:nvSpPr>
+        <p:spPr>
+          <a:xfrm>
+            <a:off x="4781538" y="5444483"/>
+            <a:ext cx="1200150" cy="741992"/>
+          </a:xfrm>
+          <a:prstGeom prst="rect">
+            <a:avLst/>
+          </a:prstGeom>
+        </p:spPr>
+        <p:style>
+          <a:lnRef idx="2">
+            <a:schemeClr val="accent1">
+              <a:shade val="50000"/>
+            </a:schemeClr>
+          </a:lnRef>
+          <a:fillRef idx="1">
+            <a:schemeClr val="accent1"/>
+          </a:fillRef>
+          <a:effectRef idx="0">
+            <a:schemeClr val="accent1"/>
+          </a:effectRef>
+          <a:fontRef idx="minor">
+            <a:schemeClr val="lt1"/>
+          </a:fontRef>
+        </p:style>
+        <p:txBody>
+          <a:bodyPr rtlCol="0" anchor="ctr"/>
+          <a:lstStyle/>
+          <a:p>
+            <a:pPr algn="ctr"/>
+            <a:r>
+              <a:rPr lang="en-US" dirty="0" smtClean="0"/>
+              <a:t>DB Gateway</a:t>
+            </a:r>
+            <a:endParaRPr lang="en-US" dirty="0"/>
+          </a:p>
+        </p:txBody>
+      </p:sp>
+      <p:sp>
+        <p:nvSpPr>
+          <p:cNvPr id="17" name="Rectangle 16"/>
+          <p:cNvSpPr/>
+          <p:nvPr/>
+        </p:nvSpPr>
+        <p:spPr>
+          <a:xfrm>
+            <a:off x="6715247" y="5453959"/>
+            <a:ext cx="1200150" cy="741992"/>
+          </a:xfrm>
+          <a:prstGeom prst="rect">
+            <a:avLst/>
+          </a:prstGeom>
+        </p:spPr>
+        <p:style>
+          <a:lnRef idx="2">
+            <a:schemeClr val="accent1">
+              <a:shade val="50000"/>
+            </a:schemeClr>
+          </a:lnRef>
+          <a:fillRef idx="1">
+            <a:schemeClr val="accent1"/>
+          </a:fillRef>
+          <a:effectRef idx="0">
+            <a:schemeClr val="accent1"/>
+          </a:effectRef>
+          <a:fontRef idx="minor">
+            <a:schemeClr val="lt1"/>
+          </a:fontRef>
+        </p:style>
+        <p:txBody>
+          <a:bodyPr rtlCol="0" anchor="ctr"/>
+          <a:lstStyle/>
+          <a:p>
+            <a:pPr algn="ctr"/>
+            <a:r>
+              <a:rPr lang="en-US" dirty="0" smtClean="0"/>
+              <a:t>Content Gateway</a:t>
+            </a:r>
+            <a:endParaRPr lang="en-US" dirty="0"/>
+          </a:p>
+        </p:txBody>
+      </p:sp>
+      <p:sp>
+        <p:nvSpPr>
+          <p:cNvPr id="32" name="Rectangle 31"/>
+          <p:cNvSpPr/>
+          <p:nvPr/>
+        </p:nvSpPr>
+        <p:spPr>
+          <a:xfrm>
+            <a:off x="5590483" y="3256511"/>
+            <a:ext cx="1200150" cy="741992"/>
+          </a:xfrm>
+          <a:prstGeom prst="rect">
+            <a:avLst/>
+          </a:prstGeom>
+        </p:spPr>
+        <p:style>
+          <a:lnRef idx="2">
+            <a:schemeClr val="accent1">
+              <a:shade val="50000"/>
+            </a:schemeClr>
+          </a:lnRef>
+          <a:fillRef idx="1">
+            <a:schemeClr val="accent1"/>
+          </a:fillRef>
+          <a:effectRef idx="0">
+            <a:schemeClr val="accent1"/>
+          </a:effectRef>
+          <a:fontRef idx="minor">
+            <a:schemeClr val="lt1"/>
+          </a:fontRef>
+        </p:style>
+        <p:txBody>
+          <a:bodyPr rtlCol="0" anchor="ctr"/>
+          <a:lstStyle/>
+          <a:p>
+            <a:pPr algn="ctr"/>
+            <a:r>
+              <a:rPr lang="en-US" smtClean="0"/>
+              <a:t>Catalogue service </a:t>
+            </a:r>
+            <a:endParaRPr lang="en-US" dirty="0"/>
+          </a:p>
+        </p:txBody>
+      </p:sp>
+      <p:sp>
+        <p:nvSpPr>
+          <p:cNvPr id="33" name="Rectangle 32"/>
+          <p:cNvSpPr/>
+          <p:nvPr/>
+        </p:nvSpPr>
+        <p:spPr>
+          <a:xfrm>
+            <a:off x="7315322" y="3294465"/>
+            <a:ext cx="1200150" cy="741992"/>
+          </a:xfrm>
+          <a:prstGeom prst="rect">
+            <a:avLst/>
+          </a:prstGeom>
+        </p:spPr>
+        <p:style>
+          <a:lnRef idx="2">
+            <a:schemeClr val="accent1">
+              <a:shade val="50000"/>
+            </a:schemeClr>
+          </a:lnRef>
+          <a:fillRef idx="1">
+            <a:schemeClr val="accent1"/>
+          </a:fillRef>
+          <a:effectRef idx="0">
+            <a:schemeClr val="accent1"/>
+          </a:effectRef>
+          <a:fontRef idx="minor">
+            <a:schemeClr val="lt1"/>
+          </a:fontRef>
+        </p:style>
+        <p:txBody>
+          <a:bodyPr rtlCol="0" anchor="ctr"/>
+          <a:lstStyle/>
+          <a:p>
+            <a:pPr algn="ctr"/>
+            <a:r>
+              <a:rPr lang="en-US" smtClean="0"/>
+              <a:t>API Manager</a:t>
+            </a:r>
+            <a:endParaRPr lang="en-US" dirty="0"/>
+          </a:p>
+        </p:txBody>
+      </p:sp>
+      <p:sp>
+        <p:nvSpPr>
+          <p:cNvPr id="34" name="Rectangle 33"/>
+          <p:cNvSpPr/>
+          <p:nvPr/>
+        </p:nvSpPr>
+        <p:spPr>
+          <a:xfrm>
+            <a:off x="5590483" y="1679716"/>
+            <a:ext cx="1200150" cy="741992"/>
+          </a:xfrm>
+          <a:prstGeom prst="rect">
+            <a:avLst/>
+          </a:prstGeom>
+        </p:spPr>
+        <p:style>
+          <a:lnRef idx="2">
+            <a:schemeClr val="accent1">
+              <a:shade val="50000"/>
+            </a:schemeClr>
+          </a:lnRef>
+          <a:fillRef idx="1">
+            <a:schemeClr val="accent1"/>
+          </a:fillRef>
+          <a:effectRef idx="0">
+            <a:schemeClr val="accent1"/>
+          </a:effectRef>
+          <a:fontRef idx="minor">
+            <a:schemeClr val="lt1"/>
+          </a:fontRef>
+        </p:style>
+        <p:txBody>
+          <a:bodyPr rtlCol="0" anchor="ctr"/>
+          <a:lstStyle/>
+          <a:p>
+            <a:pPr algn="ctr"/>
+            <a:r>
+              <a:rPr lang="en-US" smtClean="0"/>
+              <a:t>Client API</a:t>
+            </a:r>
+            <a:endParaRPr lang="en-US" dirty="0"/>
+          </a:p>
+        </p:txBody>
+      </p:sp>
+      <p:cxnSp>
+        <p:nvCxnSpPr>
+          <p:cNvPr id="37" name="Straight Arrow Connector 36"/>
+          <p:cNvCxnSpPr>
+            <a:stCxn id="34" idx="2"/>
+            <a:endCxn id="32" idx="0"/>
+          </p:cNvCxnSpPr>
+          <p:nvPr/>
+        </p:nvCxnSpPr>
+        <p:spPr>
+          <a:xfrm>
+            <a:off x="6190558" y="2421708"/>
+            <a:ext cx="0" cy="834803"/>
+          </a:xfrm>
+          <a:prstGeom prst="straightConnector1">
+            <a:avLst/>
+          </a:prstGeom>
+          <a:ln>
+            <a:headEnd type="triangle"/>
+            <a:tailEnd type="triangle"/>
+          </a:ln>
+        </p:spPr>
+        <p:style>
+          <a:lnRef idx="1">
+            <a:schemeClr val="accent1"/>
+          </a:lnRef>
+          <a:fillRef idx="0">
+            <a:schemeClr val="accent1"/>
+          </a:fillRef>
+          <a:effectRef idx="0">
+            <a:schemeClr val="accent1"/>
+          </a:effectRef>
+          <a:fontRef idx="minor">
+            <a:schemeClr val="tx1"/>
+          </a:fontRef>
+        </p:style>
+      </p:cxnSp>
+      <p:cxnSp>
+        <p:nvCxnSpPr>
+          <p:cNvPr id="40" name="Straight Arrow Connector 39"/>
+          <p:cNvCxnSpPr>
+            <a:endCxn id="33" idx="1"/>
+          </p:cNvCxnSpPr>
+          <p:nvPr/>
+        </p:nvCxnSpPr>
+        <p:spPr>
+          <a:xfrm>
+            <a:off x="6790633" y="3659813"/>
+            <a:ext cx="524689" cy="5648"/>
+          </a:xfrm>
+          <a:prstGeom prst="straightConnector1">
+            <a:avLst/>
+          </a:prstGeom>
+          <a:ln>
+            <a:headEnd type="triangle"/>
+            <a:tailEnd type="triangle"/>
+          </a:ln>
+        </p:spPr>
+        <p:style>
+          <a:lnRef idx="1">
+            <a:schemeClr val="accent1"/>
+          </a:lnRef>
+          <a:fillRef idx="0">
+            <a:schemeClr val="accent1"/>
+          </a:fillRef>
+          <a:effectRef idx="0">
+            <a:schemeClr val="accent1"/>
+          </a:effectRef>
+          <a:fontRef idx="minor">
+            <a:schemeClr val="tx1"/>
+          </a:fontRef>
+        </p:style>
+      </p:cxnSp>
+      <p:cxnSp>
+        <p:nvCxnSpPr>
+          <p:cNvPr id="43" name="Straight Arrow Connector 42"/>
+          <p:cNvCxnSpPr>
+            <a:stCxn id="57" idx="2"/>
+            <a:endCxn id="6" idx="0"/>
+          </p:cNvCxnSpPr>
+          <p:nvPr/>
+        </p:nvCxnSpPr>
+        <p:spPr>
+          <a:xfrm flipH="1">
+            <a:off x="5381613" y="5015910"/>
+            <a:ext cx="819997" cy="428573"/>
+          </a:xfrm>
+          <a:prstGeom prst="straightConnector1">
+            <a:avLst/>
+          </a:prstGeom>
+          <a:ln>
+            <a:tailEnd type="triangle"/>
+          </a:ln>
+        </p:spPr>
+        <p:style>
+          <a:lnRef idx="1">
+            <a:schemeClr val="accent1"/>
+          </a:lnRef>
+          <a:fillRef idx="0">
+            <a:schemeClr val="accent1"/>
+          </a:fillRef>
+          <a:effectRef idx="0">
+            <a:schemeClr val="accent1"/>
+          </a:effectRef>
+          <a:fontRef idx="minor">
+            <a:schemeClr val="tx1"/>
+          </a:fontRef>
+        </p:style>
+      </p:cxnSp>
+      <p:cxnSp>
+        <p:nvCxnSpPr>
+          <p:cNvPr id="44" name="Straight Arrow Connector 43"/>
+          <p:cNvCxnSpPr>
+            <a:endCxn id="17" idx="0"/>
+          </p:cNvCxnSpPr>
+          <p:nvPr/>
+        </p:nvCxnSpPr>
+        <p:spPr>
+          <a:xfrm>
+            <a:off x="6248354" y="5031548"/>
+            <a:ext cx="1066968" cy="422411"/>
+          </a:xfrm>
+          <a:prstGeom prst="straightConnector1">
+            <a:avLst/>
+          </a:prstGeom>
+          <a:ln>
+            <a:tailEnd type="triangle"/>
+          </a:ln>
+        </p:spPr>
+        <p:style>
+          <a:lnRef idx="1">
+            <a:schemeClr val="accent1"/>
+          </a:lnRef>
+          <a:fillRef idx="0">
+            <a:schemeClr val="accent1"/>
+          </a:fillRef>
+          <a:effectRef idx="0">
+            <a:schemeClr val="accent1"/>
+          </a:effectRef>
+          <a:fontRef idx="minor">
+            <a:schemeClr val="tx1"/>
+          </a:fontRef>
+        </p:style>
+      </p:cxnSp>
+      <p:cxnSp>
+        <p:nvCxnSpPr>
+          <p:cNvPr id="48" name="Straight Arrow Connector 47"/>
+          <p:cNvCxnSpPr>
+            <a:endCxn id="5" idx="2"/>
+          </p:cNvCxnSpPr>
+          <p:nvPr/>
+        </p:nvCxnSpPr>
+        <p:spPr>
+          <a:xfrm>
+            <a:off x="7915397" y="5795682"/>
+            <a:ext cx="747691" cy="244417"/>
+          </a:xfrm>
+          <a:prstGeom prst="straightConnector1">
+            <a:avLst/>
+          </a:prstGeom>
+          <a:ln>
+            <a:tailEnd type="triangle"/>
+          </a:ln>
+        </p:spPr>
+        <p:style>
+          <a:lnRef idx="1">
+            <a:schemeClr val="accent1"/>
+          </a:lnRef>
+          <a:fillRef idx="0">
+            <a:schemeClr val="accent1"/>
+          </a:fillRef>
+          <a:effectRef idx="0">
+            <a:schemeClr val="accent1"/>
+          </a:effectRef>
+          <a:fontRef idx="minor">
+            <a:schemeClr val="tx1"/>
+          </a:fontRef>
+        </p:style>
+      </p:cxnSp>
+      <p:cxnSp>
+        <p:nvCxnSpPr>
+          <p:cNvPr id="50" name="Straight Arrow Connector 49"/>
+          <p:cNvCxnSpPr>
+            <a:endCxn id="4" idx="4"/>
+          </p:cNvCxnSpPr>
+          <p:nvPr/>
+        </p:nvCxnSpPr>
+        <p:spPr>
+          <a:xfrm flipH="1">
+            <a:off x="4124288" y="5795682"/>
+            <a:ext cx="657250" cy="271542"/>
+          </a:xfrm>
+          <a:prstGeom prst="straightConnector1">
+            <a:avLst/>
+          </a:prstGeom>
+          <a:ln>
+            <a:tailEnd type="triangle"/>
+          </a:ln>
+        </p:spPr>
+        <p:style>
+          <a:lnRef idx="1">
+            <a:schemeClr val="accent1"/>
+          </a:lnRef>
+          <a:fillRef idx="0">
+            <a:schemeClr val="accent1"/>
+          </a:fillRef>
+          <a:effectRef idx="0">
+            <a:schemeClr val="accent1"/>
+          </a:effectRef>
+          <a:fontRef idx="minor">
+            <a:schemeClr val="tx1"/>
+          </a:fontRef>
+        </p:style>
+      </p:cxnSp>
+      <p:sp>
+        <p:nvSpPr>
+          <p:cNvPr id="51" name="Can 50"/>
+          <p:cNvSpPr/>
+          <p:nvPr/>
+        </p:nvSpPr>
+        <p:spPr>
+          <a:xfrm>
+            <a:off x="5650281" y="199100"/>
+            <a:ext cx="1102659" cy="981636"/>
+          </a:xfrm>
+          <a:prstGeom prst="can">
+            <a:avLst/>
+          </a:prstGeom>
+        </p:spPr>
+        <p:style>
+          <a:lnRef idx="2">
+            <a:schemeClr val="accent1">
+              <a:shade val="50000"/>
+            </a:schemeClr>
+          </a:lnRef>
+          <a:fillRef idx="1">
+            <a:schemeClr val="accent1"/>
+          </a:fillRef>
+          <a:effectRef idx="0">
+            <a:schemeClr val="accent1"/>
+          </a:effectRef>
+          <a:fontRef idx="minor">
+            <a:schemeClr val="lt1"/>
+          </a:fontRef>
+        </p:style>
+        <p:txBody>
+          <a:bodyPr rtlCol="0" anchor="ctr"/>
+          <a:lstStyle/>
+          <a:p>
+            <a:pPr algn="ctr"/>
+            <a:r>
+              <a:rPr lang="en-US" smtClean="0"/>
+              <a:t>Internal storage</a:t>
+            </a:r>
+            <a:endParaRPr lang="en-US"/>
+          </a:p>
+        </p:txBody>
+      </p:sp>
+      <p:cxnSp>
+        <p:nvCxnSpPr>
+          <p:cNvPr id="53" name="Straight Arrow Connector 52"/>
+          <p:cNvCxnSpPr>
+            <a:stCxn id="51" idx="3"/>
+            <a:endCxn id="34" idx="0"/>
+          </p:cNvCxnSpPr>
+          <p:nvPr/>
+        </p:nvCxnSpPr>
+        <p:spPr>
+          <a:xfrm flipH="1">
+            <a:off x="6190558" y="1180736"/>
+            <a:ext cx="11053" cy="498980"/>
+          </a:xfrm>
+          <a:prstGeom prst="straightConnector1">
+            <a:avLst/>
+          </a:prstGeom>
+          <a:ln>
+            <a:tailEnd type="triangle"/>
+          </a:ln>
+        </p:spPr>
+        <p:style>
+          <a:lnRef idx="1">
+            <a:schemeClr val="accent1"/>
+          </a:lnRef>
+          <a:fillRef idx="0">
+            <a:schemeClr val="accent1"/>
+          </a:fillRef>
+          <a:effectRef idx="0">
+            <a:schemeClr val="accent1"/>
+          </a:effectRef>
+          <a:fontRef idx="minor">
+            <a:schemeClr val="tx1"/>
+          </a:fontRef>
+        </p:style>
+      </p:cxnSp>
+      <p:sp>
+        <p:nvSpPr>
+          <p:cNvPr id="57" name="Rectangle 56"/>
+          <p:cNvSpPr/>
+          <p:nvPr/>
+        </p:nvSpPr>
+        <p:spPr>
+          <a:xfrm>
+            <a:off x="5601535" y="4273918"/>
+            <a:ext cx="1200150" cy="741992"/>
+          </a:xfrm>
+          <a:prstGeom prst="rect">
+            <a:avLst/>
+          </a:prstGeom>
+        </p:spPr>
+        <p:style>
+          <a:lnRef idx="2">
+            <a:schemeClr val="accent1">
+              <a:shade val="50000"/>
+            </a:schemeClr>
+          </a:lnRef>
+          <a:fillRef idx="1">
+            <a:schemeClr val="accent1"/>
+          </a:fillRef>
+          <a:effectRef idx="0">
+            <a:schemeClr val="accent1"/>
+          </a:effectRef>
+          <a:fontRef idx="minor">
+            <a:schemeClr val="lt1"/>
+          </a:fontRef>
+        </p:style>
+        <p:txBody>
+          <a:bodyPr rtlCol="0" anchor="ctr"/>
+          <a:lstStyle/>
+          <a:p>
+            <a:pPr algn="ctr"/>
+            <a:r>
+              <a:rPr lang="en-US" dirty="0" smtClean="0"/>
+              <a:t>Service Inventory</a:t>
+            </a:r>
+            <a:endParaRPr lang="en-US" dirty="0"/>
+          </a:p>
+        </p:txBody>
+      </p:sp>
+      <p:cxnSp>
+        <p:nvCxnSpPr>
+          <p:cNvPr id="63" name="Straight Arrow Connector 62"/>
+          <p:cNvCxnSpPr>
+            <a:endCxn id="57" idx="0"/>
+          </p:cNvCxnSpPr>
+          <p:nvPr/>
+        </p:nvCxnSpPr>
+        <p:spPr>
+          <a:xfrm>
+            <a:off x="6190558" y="3998503"/>
+            <a:ext cx="11052" cy="275415"/>
+          </a:xfrm>
+          <a:prstGeom prst="straightConnector1">
+            <a:avLst/>
+          </a:prstGeom>
+          <a:ln>
+            <a:headEnd type="triangle"/>
+            <a:tailEnd type="triangle"/>
+          </a:ln>
+        </p:spPr>
+        <p:style>
+          <a:lnRef idx="1">
+            <a:schemeClr val="accent1"/>
+          </a:lnRef>
+          <a:fillRef idx="0">
+            <a:schemeClr val="accent1"/>
+          </a:fillRef>
+          <a:effectRef idx="0">
+            <a:schemeClr val="accent1"/>
+          </a:effectRef>
+          <a:fontRef idx="minor">
+            <a:schemeClr val="tx1"/>
+          </a:fontRef>
+        </p:style>
+      </p:cxnSp>
+      <p:sp>
+        <p:nvSpPr>
+          <p:cNvPr id="64" name="TextBox 63"/>
+          <p:cNvSpPr txBox="1"/>
+          <p:nvPr/>
+        </p:nvSpPr>
+        <p:spPr>
+          <a:xfrm>
+            <a:off x="3410231" y="199100"/>
+            <a:ext cx="1158843" cy="369332"/>
+          </a:xfrm>
+          <a:prstGeom prst="rect">
+            <a:avLst/>
+          </a:prstGeom>
+          <a:noFill/>
+        </p:spPr>
+        <p:txBody>
+          <a:bodyPr wrap="none" rtlCol="0">
+            <a:spAutoFit/>
+          </a:bodyPr>
+          <a:lstStyle/>
+          <a:p>
+            <a:r>
+              <a:rPr lang="en-US" dirty="0" smtClean="0"/>
+              <a:t>Client side</a:t>
+            </a:r>
+            <a:endParaRPr lang="en-US" dirty="0"/>
+          </a:p>
+        </p:txBody>
+      </p:sp>
+      <p:sp>
+        <p:nvSpPr>
+          <p:cNvPr id="65" name="TextBox 64"/>
+          <p:cNvSpPr txBox="1"/>
+          <p:nvPr/>
+        </p:nvSpPr>
+        <p:spPr>
+          <a:xfrm>
+            <a:off x="3410231" y="2601985"/>
+            <a:ext cx="1461810" cy="369332"/>
+          </a:xfrm>
+          <a:prstGeom prst="rect">
+            <a:avLst/>
+          </a:prstGeom>
+          <a:noFill/>
+        </p:spPr>
+        <p:txBody>
+          <a:bodyPr wrap="none" rtlCol="0">
+            <a:spAutoFit/>
+          </a:bodyPr>
+          <a:lstStyle/>
+          <a:p>
+            <a:r>
+              <a:rPr lang="en-US" dirty="0" smtClean="0"/>
+              <a:t>MightyMooC </a:t>
+            </a:r>
+            <a:endParaRPr lang="en-US" dirty="0"/>
+          </a:p>
+        </p:txBody>
+      </p:sp>
+      <p:sp>
+        <p:nvSpPr>
+          <p:cNvPr id="66" name="TextBox 65"/>
+          <p:cNvSpPr txBox="1"/>
+          <p:nvPr/>
+        </p:nvSpPr>
+        <p:spPr>
+          <a:xfrm>
+            <a:off x="7052977" y="262401"/>
+            <a:ext cx="5100499" cy="2031325"/>
+          </a:xfrm>
+          <a:prstGeom prst="rect">
+            <a:avLst/>
+          </a:prstGeom>
+          <a:noFill/>
+        </p:spPr>
+        <p:txBody>
+          <a:bodyPr wrap="none" rtlCol="0">
+            <a:spAutoFit/>
+          </a:bodyPr>
+          <a:lstStyle/>
+          <a:p>
+            <a:r>
+              <a:rPr lang="en-US" dirty="0" smtClean="0"/>
+              <a:t>All that is required for the connecting client is an API</a:t>
+            </a:r>
+          </a:p>
+          <a:p>
+            <a:r>
+              <a:rPr lang="en-US" dirty="0"/>
+              <a:t>s</a:t>
+            </a:r>
+            <a:r>
+              <a:rPr lang="en-US" dirty="0" smtClean="0"/>
+              <a:t>ervice connecting to the MightyMooc catalogue</a:t>
+            </a:r>
+          </a:p>
+          <a:p>
+            <a:r>
+              <a:rPr lang="en-US" dirty="0" smtClean="0"/>
+              <a:t>service. </a:t>
+            </a:r>
+          </a:p>
+          <a:p>
+            <a:endParaRPr lang="en-US" dirty="0"/>
+          </a:p>
+          <a:p>
+            <a:r>
+              <a:rPr lang="en-US" dirty="0" smtClean="0"/>
+              <a:t>The API Manger provides a side car architecture to </a:t>
+            </a:r>
+          </a:p>
+          <a:p>
+            <a:r>
+              <a:rPr lang="en-US" dirty="0" smtClean="0"/>
+              <a:t>authenticate the inbound requests.</a:t>
+            </a:r>
+          </a:p>
+          <a:p>
+            <a:r>
+              <a:rPr lang="en-US" dirty="0" smtClean="0"/>
+              <a:t>  </a:t>
+            </a:r>
+            <a:endParaRPr lang="en-US" dirty="0"/>
+          </a:p>
+        </p:txBody>
+      </p:sp>
+      <p:sp>
+        <p:nvSpPr>
+          <p:cNvPr id="67" name="Rectangle 66"/>
+          <p:cNvSpPr/>
+          <p:nvPr/>
+        </p:nvSpPr>
+        <p:spPr>
+          <a:xfrm>
+            <a:off x="8899283" y="4327279"/>
+            <a:ext cx="1200150" cy="741992"/>
+          </a:xfrm>
+          <a:prstGeom prst="rect">
+            <a:avLst/>
+          </a:prstGeom>
+        </p:spPr>
+        <p:style>
+          <a:lnRef idx="2">
+            <a:schemeClr val="accent1">
+              <a:shade val="50000"/>
+            </a:schemeClr>
+          </a:lnRef>
+          <a:fillRef idx="1">
+            <a:schemeClr val="accent1"/>
+          </a:fillRef>
+          <a:effectRef idx="0">
+            <a:schemeClr val="accent1"/>
+          </a:effectRef>
+          <a:fontRef idx="minor">
+            <a:schemeClr val="lt1"/>
+          </a:fontRef>
+        </p:style>
+        <p:txBody>
+          <a:bodyPr rtlCol="0" anchor="ctr"/>
+          <a:lstStyle/>
+          <a:p>
+            <a:pPr algn="ctr"/>
+            <a:r>
+              <a:rPr lang="en-US" dirty="0" smtClean="0"/>
+              <a:t>Cache </a:t>
+            </a:r>
+          </a:p>
+          <a:p>
+            <a:pPr algn="ctr"/>
+            <a:r>
+              <a:rPr lang="en-US" dirty="0" smtClean="0"/>
+              <a:t>Service</a:t>
+            </a:r>
+            <a:endParaRPr lang="en-US" dirty="0"/>
+          </a:p>
+        </p:txBody>
+      </p:sp>
+      <p:sp>
+        <p:nvSpPr>
+          <p:cNvPr id="68" name="Rectangle 67"/>
+          <p:cNvSpPr/>
+          <p:nvPr/>
+        </p:nvSpPr>
+        <p:spPr>
+          <a:xfrm>
+            <a:off x="8899283" y="3277028"/>
+            <a:ext cx="1200150" cy="741992"/>
+          </a:xfrm>
+          <a:prstGeom prst="rect">
+            <a:avLst/>
+          </a:prstGeom>
+        </p:spPr>
+        <p:style>
+          <a:lnRef idx="2">
+            <a:schemeClr val="accent1">
+              <a:shade val="50000"/>
+            </a:schemeClr>
+          </a:lnRef>
+          <a:fillRef idx="1">
+            <a:schemeClr val="accent1"/>
+          </a:fillRef>
+          <a:effectRef idx="0">
+            <a:schemeClr val="accent1"/>
+          </a:effectRef>
+          <a:fontRef idx="minor">
+            <a:schemeClr val="lt1"/>
+          </a:fontRef>
+        </p:style>
+        <p:txBody>
+          <a:bodyPr rtlCol="0" anchor="ctr"/>
+          <a:lstStyle/>
+          <a:p>
+            <a:pPr algn="ctr"/>
+            <a:r>
+              <a:rPr lang="en-US" dirty="0" smtClean="0"/>
+              <a:t>Cache </a:t>
+            </a:r>
+          </a:p>
+          <a:p>
+            <a:pPr algn="ctr"/>
+            <a:r>
+              <a:rPr lang="en-US" dirty="0" smtClean="0"/>
+              <a:t>Server</a:t>
+            </a:r>
+            <a:endParaRPr lang="en-US" dirty="0"/>
+          </a:p>
+        </p:txBody>
+      </p:sp>
+      <p:cxnSp>
+        <p:nvCxnSpPr>
+          <p:cNvPr id="69" name="Straight Arrow Connector 68"/>
+          <p:cNvCxnSpPr>
+            <a:endCxn id="67" idx="0"/>
+          </p:cNvCxnSpPr>
+          <p:nvPr/>
+        </p:nvCxnSpPr>
+        <p:spPr>
+          <a:xfrm>
+            <a:off x="9499358" y="3998503"/>
+            <a:ext cx="0" cy="328776"/>
+          </a:xfrm>
+          <a:prstGeom prst="straightConnector1">
+            <a:avLst/>
+          </a:prstGeom>
+          <a:ln>
+            <a:headEnd type="triangle"/>
+            <a:tailEnd type="triangle"/>
+          </a:ln>
+        </p:spPr>
+        <p:style>
+          <a:lnRef idx="1">
+            <a:schemeClr val="accent1"/>
+          </a:lnRef>
+          <a:fillRef idx="0">
+            <a:schemeClr val="accent1"/>
+          </a:fillRef>
+          <a:effectRef idx="0">
+            <a:schemeClr val="accent1"/>
+          </a:effectRef>
+          <a:fontRef idx="minor">
+            <a:schemeClr val="tx1"/>
+          </a:fontRef>
+        </p:style>
+      </p:cxnSp>
+      <p:cxnSp>
+        <p:nvCxnSpPr>
+          <p:cNvPr id="71" name="Straight Arrow Connector 70"/>
+          <p:cNvCxnSpPr/>
+          <p:nvPr/>
+        </p:nvCxnSpPr>
+        <p:spPr>
+          <a:xfrm>
+            <a:off x="9482681" y="5065808"/>
+            <a:ext cx="16677" cy="285733"/>
+          </a:xfrm>
+          <a:prstGeom prst="straightConnector1">
+            <a:avLst/>
+          </a:prstGeom>
+          <a:ln>
+            <a:headEnd type="triangle"/>
+            <a:tailEnd type="triangle"/>
+          </a:ln>
+        </p:spPr>
+        <p:style>
+          <a:lnRef idx="1">
+            <a:schemeClr val="accent1"/>
+          </a:lnRef>
+          <a:fillRef idx="0">
+            <a:schemeClr val="accent1"/>
+          </a:fillRef>
+          <a:effectRef idx="0">
+            <a:schemeClr val="accent1"/>
+          </a:effectRef>
+          <a:fontRef idx="minor">
+            <a:schemeClr val="tx1"/>
+          </a:fontRef>
+        </p:style>
+      </p:cxnSp>
+    </p:spTree>
+    <p:extLst>
+      <p:ext uri="{BB962C8B-B14F-4D97-AF65-F5344CB8AC3E}">
+        <p14:creationId xmlns:p14="http://schemas.microsoft.com/office/powerpoint/2010/main" val="561621891"/>
+      </p:ext>
+    </p:extLst>
+  </p:cSld>
+  <p:clrMapOvr>
+    <a:masterClrMapping/>
+  </p:clrMapOvr>
+</p:sld>
+</file>
+
+<file path=ppt/slides/slide4.xml><?xml version="1.0" encoding="utf-8"?>
+<p:sld xmlns:a="http://schemas.openxmlformats.org/drawingml/2006/main" xmlns:r="http://schemas.openxmlformats.org/officeDocument/2006/relationships" xmlns:p="http://schemas.openxmlformats.org/presentationml/2006/main">
+  <p:cSld>
+    <p:spTree>
+      <p:nvGrpSpPr>
+        <p:cNvPr id="1" name=""/>
+        <p:cNvGrpSpPr/>
+        <p:nvPr/>
+      </p:nvGrpSpPr>
+      <p:grpSpPr>
+        <a:xfrm>
+          <a:off x="0" y="0"/>
+          <a:ext cx="0" cy="0"/>
+          <a:chOff x="0" y="0"/>
+          <a:chExt cx="0" cy="0"/>
+        </a:xfrm>
+      </p:grpSpPr>
+      <p:sp>
+        <p:nvSpPr>
+          <p:cNvPr id="4" name="Rectangle 3"/>
+          <p:cNvSpPr/>
+          <p:nvPr/>
+        </p:nvSpPr>
+        <p:spPr>
+          <a:xfrm>
+            <a:off x="3693458" y="1499347"/>
+            <a:ext cx="1734671" cy="1008530"/>
+          </a:xfrm>
+          <a:prstGeom prst="rect">
+            <a:avLst/>
+          </a:prstGeom>
+        </p:spPr>
+        <p:style>
+          <a:lnRef idx="2">
+            <a:schemeClr val="accent1">
+              <a:shade val="50000"/>
+            </a:schemeClr>
+          </a:lnRef>
+          <a:fillRef idx="1">
+            <a:schemeClr val="accent1"/>
+          </a:fillRef>
+          <a:effectRef idx="0">
+            <a:schemeClr val="accent1"/>
+          </a:effectRef>
+          <a:fontRef idx="minor">
+            <a:schemeClr val="lt1"/>
+          </a:fontRef>
+        </p:style>
+        <p:txBody>
+          <a:bodyPr rtlCol="0" anchor="ctr"/>
+          <a:lstStyle/>
+          <a:p>
+            <a:pPr algn="ctr"/>
+            <a:r>
+              <a:rPr lang="en-US" dirty="0" smtClean="0"/>
+              <a:t>Signup</a:t>
+            </a:r>
+            <a:endParaRPr lang="en-US" dirty="0"/>
+          </a:p>
+        </p:txBody>
+      </p:sp>
+      <p:sp>
+        <p:nvSpPr>
+          <p:cNvPr id="6" name="Rectangle 5"/>
+          <p:cNvSpPr/>
+          <p:nvPr/>
+        </p:nvSpPr>
+        <p:spPr>
+          <a:xfrm>
+            <a:off x="3747247" y="4038600"/>
+            <a:ext cx="1734671" cy="1008530"/>
+          </a:xfrm>
+          <a:prstGeom prst="rect">
+            <a:avLst/>
+          </a:prstGeom>
+        </p:spPr>
+        <p:style>
+          <a:lnRef idx="2">
+            <a:schemeClr val="accent1">
+              <a:shade val="50000"/>
+            </a:schemeClr>
+          </a:lnRef>
+          <a:fillRef idx="1">
+            <a:schemeClr val="accent1"/>
+          </a:fillRef>
+          <a:effectRef idx="0">
+            <a:schemeClr val="accent1"/>
+          </a:effectRef>
+          <a:fontRef idx="minor">
+            <a:schemeClr val="lt1"/>
+          </a:fontRef>
+        </p:style>
+        <p:txBody>
+          <a:bodyPr rtlCol="0" anchor="ctr"/>
+          <a:lstStyle/>
+          <a:p>
+            <a:pPr algn="ctr"/>
+            <a:r>
+              <a:rPr lang="en-US" dirty="0" smtClean="0"/>
+              <a:t>Account Management</a:t>
+            </a:r>
+            <a:endParaRPr lang="en-US" dirty="0"/>
+          </a:p>
+        </p:txBody>
+      </p:sp>
+      <p:sp>
+        <p:nvSpPr>
+          <p:cNvPr id="7" name="Rectangle 6"/>
+          <p:cNvSpPr/>
+          <p:nvPr/>
+        </p:nvSpPr>
+        <p:spPr>
+          <a:xfrm>
+            <a:off x="6293223" y="4038600"/>
+            <a:ext cx="1734671" cy="1008530"/>
+          </a:xfrm>
+          <a:prstGeom prst="rect">
+            <a:avLst/>
+          </a:prstGeom>
+        </p:spPr>
+        <p:style>
+          <a:lnRef idx="2">
+            <a:schemeClr val="accent1">
+              <a:shade val="50000"/>
+            </a:schemeClr>
+          </a:lnRef>
+          <a:fillRef idx="1">
+            <a:schemeClr val="accent1"/>
+          </a:fillRef>
+          <a:effectRef idx="0">
+            <a:schemeClr val="accent1"/>
+          </a:effectRef>
+          <a:fontRef idx="minor">
+            <a:schemeClr val="lt1"/>
+          </a:fontRef>
+        </p:style>
+        <p:txBody>
+          <a:bodyPr rtlCol="0" anchor="ctr"/>
+          <a:lstStyle/>
+          <a:p>
+            <a:pPr algn="ctr"/>
+            <a:r>
+              <a:rPr lang="en-US" dirty="0" smtClean="0"/>
+              <a:t>Payment</a:t>
+            </a:r>
+            <a:endParaRPr lang="en-US" dirty="0"/>
+          </a:p>
+        </p:txBody>
+      </p:sp>
+      <p:sp>
+        <p:nvSpPr>
+          <p:cNvPr id="8" name="Rectangle 7"/>
+          <p:cNvSpPr/>
+          <p:nvPr/>
+        </p:nvSpPr>
+        <p:spPr>
+          <a:xfrm>
+            <a:off x="6293223" y="1499347"/>
+            <a:ext cx="1734671" cy="1008530"/>
+          </a:xfrm>
+          <a:prstGeom prst="rect">
+            <a:avLst/>
+          </a:prstGeom>
+        </p:spPr>
+        <p:style>
+          <a:lnRef idx="2">
+            <a:schemeClr val="accent1">
+              <a:shade val="50000"/>
+            </a:schemeClr>
+          </a:lnRef>
+          <a:fillRef idx="1">
+            <a:schemeClr val="accent1"/>
+          </a:fillRef>
+          <a:effectRef idx="0">
+            <a:schemeClr val="accent1"/>
+          </a:effectRef>
+          <a:fontRef idx="minor">
+            <a:schemeClr val="lt1"/>
+          </a:fontRef>
+        </p:style>
+        <p:txBody>
+          <a:bodyPr rtlCol="0" anchor="ctr"/>
+          <a:lstStyle/>
+          <a:p>
+            <a:pPr algn="ctr"/>
+            <a:r>
+              <a:rPr lang="en-US" dirty="0" smtClean="0"/>
+              <a:t>Authenticate</a:t>
+            </a:r>
+            <a:endParaRPr lang="en-US" dirty="0"/>
+          </a:p>
+        </p:txBody>
+      </p:sp>
+      <p:sp>
+        <p:nvSpPr>
+          <p:cNvPr id="9" name="Rectangle 8"/>
+          <p:cNvSpPr/>
+          <p:nvPr/>
+        </p:nvSpPr>
+        <p:spPr>
+          <a:xfrm>
+            <a:off x="8503024" y="1499347"/>
+            <a:ext cx="1734671" cy="1008530"/>
+          </a:xfrm>
+          <a:prstGeom prst="rect">
+            <a:avLst/>
+          </a:prstGeom>
+        </p:spPr>
+        <p:style>
+          <a:lnRef idx="2">
+            <a:schemeClr val="accent1">
+              <a:shade val="50000"/>
+            </a:schemeClr>
+          </a:lnRef>
+          <a:fillRef idx="1">
+            <a:schemeClr val="accent1"/>
+          </a:fillRef>
+          <a:effectRef idx="0">
+            <a:schemeClr val="accent1"/>
+          </a:effectRef>
+          <a:fontRef idx="minor">
+            <a:schemeClr val="lt1"/>
+          </a:fontRef>
+        </p:style>
+        <p:txBody>
+          <a:bodyPr rtlCol="0" anchor="ctr"/>
+          <a:lstStyle/>
+          <a:p>
+            <a:pPr algn="ctr"/>
+            <a:r>
+              <a:rPr lang="en-US" dirty="0" smtClean="0"/>
+              <a:t>Refund</a:t>
+            </a:r>
+            <a:endParaRPr lang="en-US" dirty="0"/>
+          </a:p>
+        </p:txBody>
+      </p:sp>
+      <p:sp>
+        <p:nvSpPr>
+          <p:cNvPr id="10" name="Rectangle 9"/>
+          <p:cNvSpPr/>
+          <p:nvPr/>
+        </p:nvSpPr>
+        <p:spPr>
+          <a:xfrm>
+            <a:off x="8601637" y="4038600"/>
+            <a:ext cx="1734671" cy="1008530"/>
+          </a:xfrm>
+          <a:prstGeom prst="rect">
+            <a:avLst/>
+          </a:prstGeom>
+        </p:spPr>
+        <p:style>
+          <a:lnRef idx="2">
+            <a:schemeClr val="accent1">
+              <a:shade val="50000"/>
+            </a:schemeClr>
+          </a:lnRef>
+          <a:fillRef idx="1">
+            <a:schemeClr val="accent1"/>
+          </a:fillRef>
+          <a:effectRef idx="0">
+            <a:schemeClr val="accent1"/>
+          </a:effectRef>
+          <a:fontRef idx="minor">
+            <a:schemeClr val="lt1"/>
+          </a:fontRef>
+        </p:style>
+        <p:txBody>
+          <a:bodyPr rtlCol="0" anchor="ctr"/>
+          <a:lstStyle/>
+          <a:p>
+            <a:pPr algn="ctr"/>
+            <a:r>
+              <a:rPr lang="en-US" dirty="0" smtClean="0"/>
+              <a:t>Media</a:t>
+            </a:r>
+            <a:endParaRPr lang="en-US" dirty="0"/>
+          </a:p>
+        </p:txBody>
+      </p:sp>
+      <p:sp>
+        <p:nvSpPr>
+          <p:cNvPr id="11" name="Rectangle 10"/>
+          <p:cNvSpPr/>
+          <p:nvPr/>
+        </p:nvSpPr>
+        <p:spPr>
+          <a:xfrm>
+            <a:off x="1409697" y="4038600"/>
+            <a:ext cx="1734671" cy="1008530"/>
+          </a:xfrm>
+          <a:prstGeom prst="rect">
+            <a:avLst/>
+          </a:prstGeom>
+        </p:spPr>
+        <p:style>
+          <a:lnRef idx="2">
+            <a:schemeClr val="accent1">
+              <a:shade val="50000"/>
+            </a:schemeClr>
+          </a:lnRef>
+          <a:fillRef idx="1">
+            <a:schemeClr val="accent1"/>
+          </a:fillRef>
+          <a:effectRef idx="0">
+            <a:schemeClr val="accent1"/>
+          </a:effectRef>
+          <a:fontRef idx="minor">
+            <a:schemeClr val="lt1"/>
+          </a:fontRef>
+        </p:style>
+        <p:txBody>
+          <a:bodyPr rtlCol="0" anchor="ctr"/>
+          <a:lstStyle/>
+          <a:p>
+            <a:pPr algn="ctr"/>
+            <a:r>
+              <a:rPr lang="en-US" dirty="0" smtClean="0"/>
+              <a:t>Assignment</a:t>
+            </a:r>
+            <a:endParaRPr lang="en-US" dirty="0"/>
+          </a:p>
+        </p:txBody>
+      </p:sp>
+      <p:sp>
+        <p:nvSpPr>
+          <p:cNvPr id="12" name="Rectangle 11"/>
+          <p:cNvSpPr/>
+          <p:nvPr/>
+        </p:nvSpPr>
+        <p:spPr>
+          <a:xfrm>
+            <a:off x="1279711" y="1499347"/>
+            <a:ext cx="1734671" cy="1008530"/>
+          </a:xfrm>
+          <a:prstGeom prst="rect">
+            <a:avLst/>
+          </a:prstGeom>
+        </p:spPr>
+        <p:style>
+          <a:lnRef idx="2">
+            <a:schemeClr val="accent1">
+              <a:shade val="50000"/>
+            </a:schemeClr>
+          </a:lnRef>
+          <a:fillRef idx="1">
+            <a:schemeClr val="accent1"/>
+          </a:fillRef>
+          <a:effectRef idx="0">
+            <a:schemeClr val="accent1"/>
+          </a:effectRef>
+          <a:fontRef idx="minor">
+            <a:schemeClr val="lt1"/>
+          </a:fontRef>
+        </p:style>
+        <p:txBody>
+          <a:bodyPr rtlCol="0" anchor="ctr"/>
+          <a:lstStyle/>
+          <a:p>
+            <a:pPr algn="ctr"/>
+            <a:r>
+              <a:rPr lang="en-US" dirty="0" smtClean="0"/>
+              <a:t>Catalogue</a:t>
+            </a:r>
+          </a:p>
+          <a:p>
+            <a:pPr algn="ctr"/>
+            <a:r>
+              <a:rPr lang="en-US" dirty="0" smtClean="0"/>
+              <a:t>Service</a:t>
+            </a:r>
+            <a:endParaRPr lang="en-US" dirty="0"/>
+          </a:p>
+        </p:txBody>
+      </p:sp>
+      <p:sp>
+        <p:nvSpPr>
+          <p:cNvPr id="13" name="TextBox 12"/>
+          <p:cNvSpPr txBox="1"/>
+          <p:nvPr/>
+        </p:nvSpPr>
+        <p:spPr>
+          <a:xfrm>
+            <a:off x="1409697" y="2507877"/>
+            <a:ext cx="1365832" cy="1384995"/>
+          </a:xfrm>
+          <a:prstGeom prst="rect">
+            <a:avLst/>
+          </a:prstGeom>
+          <a:noFill/>
+        </p:spPr>
+        <p:txBody>
+          <a:bodyPr wrap="square" rtlCol="0">
+            <a:spAutoFit/>
+          </a:bodyPr>
+          <a:lstStyle/>
+          <a:p>
+            <a:r>
+              <a:rPr lang="en-US" sz="1400" dirty="0" smtClean="0"/>
+              <a:t>Handle adding removing and reviewing catalogue data including course enrolments</a:t>
+            </a:r>
+            <a:endParaRPr lang="en-US" sz="1400" dirty="0"/>
+          </a:p>
+        </p:txBody>
+      </p:sp>
+      <p:sp>
+        <p:nvSpPr>
+          <p:cNvPr id="14" name="TextBox 13"/>
+          <p:cNvSpPr txBox="1"/>
+          <p:nvPr/>
+        </p:nvSpPr>
+        <p:spPr>
+          <a:xfrm>
+            <a:off x="3829381" y="2507876"/>
+            <a:ext cx="1365832" cy="1384995"/>
+          </a:xfrm>
+          <a:prstGeom prst="rect">
+            <a:avLst/>
+          </a:prstGeom>
+          <a:noFill/>
+        </p:spPr>
+        <p:txBody>
+          <a:bodyPr wrap="square" rtlCol="0">
+            <a:spAutoFit/>
+          </a:bodyPr>
+          <a:lstStyle/>
+          <a:p>
+            <a:r>
+              <a:rPr lang="en-US" sz="1400" dirty="0" smtClean="0"/>
+              <a:t>Sign </a:t>
+            </a:r>
+            <a:r>
+              <a:rPr lang="en-US" sz="1400" smtClean="0"/>
+              <a:t>up to MightyMooC </a:t>
+            </a:r>
+            <a:r>
+              <a:rPr lang="en-US" sz="1400" dirty="0" smtClean="0"/>
+              <a:t>as a student, corporate or content provider </a:t>
+            </a:r>
+            <a:endParaRPr lang="en-US" sz="1400" dirty="0"/>
+          </a:p>
+        </p:txBody>
+      </p:sp>
+      <p:sp>
+        <p:nvSpPr>
+          <p:cNvPr id="15" name="TextBox 14"/>
+          <p:cNvSpPr txBox="1"/>
+          <p:nvPr/>
+        </p:nvSpPr>
+        <p:spPr>
+          <a:xfrm>
+            <a:off x="6513523" y="2507876"/>
+            <a:ext cx="1365832" cy="954107"/>
+          </a:xfrm>
+          <a:prstGeom prst="rect">
+            <a:avLst/>
+          </a:prstGeom>
+          <a:noFill/>
+        </p:spPr>
+        <p:txBody>
+          <a:bodyPr wrap="square" rtlCol="0">
+            <a:spAutoFit/>
+          </a:bodyPr>
+          <a:lstStyle/>
+          <a:p>
+            <a:r>
+              <a:rPr lang="en-US" sz="1400" dirty="0" smtClean="0"/>
+              <a:t>Authenticate and authorise inbound requests</a:t>
+            </a:r>
+            <a:endParaRPr lang="en-US" sz="1400" dirty="0"/>
+          </a:p>
+        </p:txBody>
+      </p:sp>
+      <p:sp>
+        <p:nvSpPr>
+          <p:cNvPr id="16" name="TextBox 15"/>
+          <p:cNvSpPr txBox="1"/>
+          <p:nvPr/>
+        </p:nvSpPr>
+        <p:spPr>
+          <a:xfrm>
+            <a:off x="8687443" y="2507875"/>
+            <a:ext cx="1365832" cy="523220"/>
+          </a:xfrm>
+          <a:prstGeom prst="rect">
+            <a:avLst/>
+          </a:prstGeom>
+          <a:noFill/>
+        </p:spPr>
+        <p:txBody>
+          <a:bodyPr wrap="square" rtlCol="0">
+            <a:spAutoFit/>
+          </a:bodyPr>
+          <a:lstStyle/>
+          <a:p>
+            <a:r>
+              <a:rPr lang="en-US" sz="1400" dirty="0" smtClean="0"/>
+              <a:t>Process refund requests</a:t>
+            </a:r>
+            <a:endParaRPr lang="en-US" sz="1400" dirty="0"/>
+          </a:p>
+        </p:txBody>
+      </p:sp>
+      <p:sp>
+        <p:nvSpPr>
+          <p:cNvPr id="17" name="TextBox 16"/>
+          <p:cNvSpPr txBox="1"/>
+          <p:nvPr/>
+        </p:nvSpPr>
+        <p:spPr>
+          <a:xfrm>
+            <a:off x="1464130" y="5047130"/>
+            <a:ext cx="1365832" cy="1600438"/>
+          </a:xfrm>
+          <a:prstGeom prst="rect">
+            <a:avLst/>
+          </a:prstGeom>
+          <a:noFill/>
+        </p:spPr>
+        <p:txBody>
+          <a:bodyPr wrap="square" rtlCol="0">
+            <a:spAutoFit/>
+          </a:bodyPr>
+          <a:lstStyle/>
+          <a:p>
+            <a:r>
+              <a:rPr lang="en-US" sz="1400" dirty="0" smtClean="0"/>
+              <a:t>Serve assignment data and provide automated marking </a:t>
+            </a:r>
+            <a:r>
+              <a:rPr lang="en-US" sz="1400" smtClean="0"/>
+              <a:t>when possible</a:t>
+            </a:r>
+            <a:endParaRPr lang="en-US" sz="1400" dirty="0"/>
+          </a:p>
+        </p:txBody>
+      </p:sp>
+      <p:sp>
+        <p:nvSpPr>
+          <p:cNvPr id="18" name="TextBox 17"/>
+          <p:cNvSpPr txBox="1"/>
+          <p:nvPr/>
+        </p:nvSpPr>
+        <p:spPr>
+          <a:xfrm>
+            <a:off x="3907811" y="5008739"/>
+            <a:ext cx="1365832" cy="1384995"/>
+          </a:xfrm>
+          <a:prstGeom prst="rect">
+            <a:avLst/>
+          </a:prstGeom>
+          <a:noFill/>
+        </p:spPr>
+        <p:txBody>
+          <a:bodyPr wrap="square" rtlCol="0">
+            <a:spAutoFit/>
+          </a:bodyPr>
+          <a:lstStyle/>
+          <a:p>
+            <a:r>
+              <a:rPr lang="en-US" sz="1400" dirty="0" smtClean="0"/>
+              <a:t>Add/remove users and make updates to payment methods and personal details</a:t>
+            </a:r>
+          </a:p>
+        </p:txBody>
+      </p:sp>
+      <p:sp>
+        <p:nvSpPr>
+          <p:cNvPr id="19" name="TextBox 18"/>
+          <p:cNvSpPr txBox="1"/>
+          <p:nvPr/>
+        </p:nvSpPr>
+        <p:spPr>
+          <a:xfrm>
+            <a:off x="6477642" y="5040062"/>
+            <a:ext cx="1365832" cy="738664"/>
+          </a:xfrm>
+          <a:prstGeom prst="rect">
+            <a:avLst/>
+          </a:prstGeom>
+          <a:noFill/>
+        </p:spPr>
+        <p:txBody>
+          <a:bodyPr wrap="square" rtlCol="0">
+            <a:spAutoFit/>
+          </a:bodyPr>
+          <a:lstStyle/>
+          <a:p>
+            <a:r>
+              <a:rPr lang="en-US" sz="1400" dirty="0" smtClean="0"/>
+              <a:t>Handle inbound and outbound payments</a:t>
+            </a:r>
+          </a:p>
+        </p:txBody>
+      </p:sp>
+      <p:sp>
+        <p:nvSpPr>
+          <p:cNvPr id="20" name="TextBox 19"/>
+          <p:cNvSpPr txBox="1"/>
+          <p:nvPr/>
+        </p:nvSpPr>
+        <p:spPr>
+          <a:xfrm>
+            <a:off x="8786056" y="5047130"/>
+            <a:ext cx="1365832" cy="738664"/>
+          </a:xfrm>
+          <a:prstGeom prst="rect">
+            <a:avLst/>
+          </a:prstGeom>
+          <a:noFill/>
+        </p:spPr>
+        <p:txBody>
+          <a:bodyPr wrap="square" rtlCol="0">
+            <a:spAutoFit/>
+          </a:bodyPr>
+          <a:lstStyle/>
+          <a:p>
+            <a:r>
+              <a:rPr lang="en-US" sz="1400" dirty="0" smtClean="0"/>
+              <a:t>Streaming microservice for media content</a:t>
+            </a:r>
+          </a:p>
+        </p:txBody>
+      </p:sp>
+      <p:graphicFrame>
+        <p:nvGraphicFramePr>
+          <p:cNvPr id="21" name="Table 20"/>
+          <p:cNvGraphicFramePr>
+            <a:graphicFrameLocks noGrp="1"/>
+          </p:cNvGraphicFramePr>
+          <p:nvPr/>
+        </p:nvGraphicFramePr>
+        <p:xfrm>
+          <a:off x="0" y="0"/>
+          <a:ext cx="1104900" cy="203200"/>
+        </p:xfrm>
+        <a:graphic>
+          <a:graphicData uri="http://schemas.openxmlformats.org/drawingml/2006/table">
+            <a:tbl>
+              <a:tblPr>
+                <a:tableStyleId>{5C22544A-7EE6-4342-B048-85BDC9FD1C3A}</a:tableStyleId>
+              </a:tblPr>
+              <a:tblGrid>
+                <a:gridCol w="1104900"/>
+              </a:tblGrid>
+              <a:tr h="203200">
+                <a:tc>
+                  <a:txBody>
+                    <a:bodyPr/>
+                    <a:lstStyle/>
+                    <a:p>
+                      <a:pPr algn="l" fontAlgn="b"/>
+                      <a:r>
+                        <a:rPr lang="en-US" sz="1200" u="none" strike="noStrike" dirty="0">
+                          <a:effectLst/>
+                        </a:rPr>
+                        <a:t>Media</a:t>
+                      </a:r>
+                      <a:endParaRPr lang="en-US" sz="1200" b="0" i="0" u="none" strike="noStrike" dirty="0">
+                        <a:solidFill>
+                          <a:srgbClr val="000000"/>
+                        </a:solidFill>
+                        <a:effectLst/>
+                        <a:latin typeface="Calibri" charset="0"/>
+                      </a:endParaRPr>
+                    </a:p>
+                  </a:txBody>
+                  <a:tcPr marL="6350" marR="6350" marT="6350" marB="0" anchor="b"/>
+                </a:tc>
+              </a:tr>
+            </a:tbl>
+          </a:graphicData>
+        </a:graphic>
+      </p:graphicFrame>
+    </p:spTree>
+    <p:extLst>
+      <p:ext uri="{BB962C8B-B14F-4D97-AF65-F5344CB8AC3E}">
+        <p14:creationId xmlns:p14="http://schemas.microsoft.com/office/powerpoint/2010/main" val="1278324873"/>
+      </p:ext>
+    </p:extLst>
+  </p:cSld>
+  <p:clrMapOvr>
+    <a:masterClrMapping/>
+  </p:clrMapOvr>
+</p:sld>
+</file>
+
+<file path=ppt/slides/slide5.xml><?xml version="1.0" encoding="utf-8"?>
+<p:sld xmlns:a="http://schemas.openxmlformats.org/drawingml/2006/main" xmlns:r="http://schemas.openxmlformats.org/officeDocument/2006/relationships" xmlns:p="http://schemas.openxmlformats.org/presentationml/2006/main">
+  <p:cSld>
+    <p:spTree>
+      <p:nvGrpSpPr>
+        <p:cNvPr id="1" name=""/>
+        <p:cNvGrpSpPr/>
+        <p:nvPr/>
+      </p:nvGrpSpPr>
+      <p:grpSpPr>
+        <a:xfrm>
+          <a:off x="0" y="0"/>
+          <a:ext cx="0" cy="0"/>
+          <a:chOff x="0" y="0"/>
+          <a:chExt cx="0" cy="0"/>
+        </a:xfrm>
+      </p:grpSpPr>
+      <p:sp>
+        <p:nvSpPr>
+          <p:cNvPr id="4" name="Rectangle 3"/>
+          <p:cNvSpPr/>
+          <p:nvPr/>
+        </p:nvSpPr>
+        <p:spPr>
+          <a:xfrm>
+            <a:off x="2408699" y="114300"/>
+            <a:ext cx="1734671" cy="1008530"/>
+          </a:xfrm>
+          <a:prstGeom prst="rect">
+            <a:avLst/>
+          </a:prstGeom>
+        </p:spPr>
+        <p:style>
+          <a:lnRef idx="2">
+            <a:schemeClr val="accent1">
+              <a:shade val="50000"/>
+            </a:schemeClr>
+          </a:lnRef>
+          <a:fillRef idx="1">
+            <a:schemeClr val="accent1"/>
+          </a:fillRef>
+          <a:effectRef idx="0">
+            <a:schemeClr val="accent1"/>
+          </a:effectRef>
+          <a:fontRef idx="minor">
+            <a:schemeClr val="lt1"/>
+          </a:fontRef>
+        </p:style>
+        <p:txBody>
+          <a:bodyPr rtlCol="0" anchor="ctr"/>
+          <a:lstStyle/>
+          <a:p>
+            <a:pPr algn="ctr"/>
+            <a:r>
+              <a:rPr lang="en-US" dirty="0"/>
+              <a:t>Authentication</a:t>
+            </a:r>
+          </a:p>
+          <a:p>
+            <a:pPr algn="ctr"/>
+            <a:r>
+              <a:rPr lang="en-US" dirty="0"/>
+              <a:t>Service</a:t>
+            </a:r>
+            <a:endParaRPr lang="en-US" dirty="0"/>
+          </a:p>
+        </p:txBody>
+      </p:sp>
+      <p:sp>
+        <p:nvSpPr>
+          <p:cNvPr id="5" name="Rectangle 4"/>
+          <p:cNvSpPr/>
+          <p:nvPr/>
+        </p:nvSpPr>
+        <p:spPr>
+          <a:xfrm>
+            <a:off x="4353475" y="100853"/>
+            <a:ext cx="1734671" cy="1008530"/>
+          </a:xfrm>
+          <a:prstGeom prst="rect">
+            <a:avLst/>
+          </a:prstGeom>
+        </p:spPr>
+        <p:style>
+          <a:lnRef idx="2">
+            <a:schemeClr val="accent1">
+              <a:shade val="50000"/>
+            </a:schemeClr>
+          </a:lnRef>
+          <a:fillRef idx="1">
+            <a:schemeClr val="accent1"/>
+          </a:fillRef>
+          <a:effectRef idx="0">
+            <a:schemeClr val="accent1"/>
+          </a:effectRef>
+          <a:fontRef idx="minor">
+            <a:schemeClr val="lt1"/>
+          </a:fontRef>
+        </p:style>
+        <p:txBody>
+          <a:bodyPr rtlCol="0" anchor="ctr"/>
+          <a:lstStyle/>
+          <a:p>
+            <a:pPr algn="ctr"/>
+            <a:r>
+              <a:rPr lang="en-US" dirty="0" smtClean="0"/>
+              <a:t>Catalogue</a:t>
+            </a:r>
+            <a:endParaRPr lang="en-US" dirty="0"/>
+          </a:p>
+          <a:p>
+            <a:pPr algn="ctr"/>
+            <a:r>
+              <a:rPr lang="en-US" dirty="0"/>
+              <a:t>Service</a:t>
+            </a:r>
+            <a:endParaRPr lang="en-US" dirty="0"/>
+          </a:p>
+        </p:txBody>
+      </p:sp>
+      <p:sp>
+        <p:nvSpPr>
+          <p:cNvPr id="6" name="Rectangle 5"/>
+          <p:cNvSpPr/>
+          <p:nvPr/>
+        </p:nvSpPr>
+        <p:spPr>
+          <a:xfrm>
+            <a:off x="463923" y="100853"/>
+            <a:ext cx="1734671" cy="1008530"/>
+          </a:xfrm>
+          <a:prstGeom prst="rect">
+            <a:avLst/>
+          </a:prstGeom>
+        </p:spPr>
+        <p:style>
+          <a:lnRef idx="2">
+            <a:schemeClr val="accent1">
+              <a:shade val="50000"/>
+            </a:schemeClr>
+          </a:lnRef>
+          <a:fillRef idx="1">
+            <a:schemeClr val="accent1"/>
+          </a:fillRef>
+          <a:effectRef idx="0">
+            <a:schemeClr val="accent1"/>
+          </a:effectRef>
+          <a:fontRef idx="minor">
+            <a:schemeClr val="lt1"/>
+          </a:fontRef>
+        </p:style>
+        <p:txBody>
+          <a:bodyPr rtlCol="0" anchor="ctr"/>
+          <a:lstStyle/>
+          <a:p>
+            <a:pPr algn="ctr"/>
+            <a:r>
+              <a:rPr lang="en-US" dirty="0" smtClean="0"/>
+              <a:t>External Client</a:t>
+            </a:r>
+          </a:p>
+          <a:p>
+            <a:pPr algn="ctr"/>
+            <a:r>
+              <a:rPr lang="en-US" dirty="0" smtClean="0"/>
+              <a:t>(Student)</a:t>
+            </a:r>
+            <a:endParaRPr lang="en-US" dirty="0"/>
+          </a:p>
+        </p:txBody>
+      </p:sp>
+      <p:sp>
+        <p:nvSpPr>
+          <p:cNvPr id="7" name="Rectangle 6"/>
+          <p:cNvSpPr/>
+          <p:nvPr/>
+        </p:nvSpPr>
+        <p:spPr>
+          <a:xfrm>
+            <a:off x="6304467" y="114300"/>
+            <a:ext cx="1734671" cy="1008530"/>
+          </a:xfrm>
+          <a:prstGeom prst="rect">
+            <a:avLst/>
+          </a:prstGeom>
+        </p:spPr>
+        <p:style>
+          <a:lnRef idx="2">
+            <a:schemeClr val="accent1">
+              <a:shade val="50000"/>
+            </a:schemeClr>
+          </a:lnRef>
+          <a:fillRef idx="1">
+            <a:schemeClr val="accent1"/>
+          </a:fillRef>
+          <a:effectRef idx="0">
+            <a:schemeClr val="accent1"/>
+          </a:effectRef>
+          <a:fontRef idx="minor">
+            <a:schemeClr val="lt1"/>
+          </a:fontRef>
+        </p:style>
+        <p:txBody>
+          <a:bodyPr rtlCol="0" anchor="ctr"/>
+          <a:lstStyle/>
+          <a:p>
+            <a:pPr algn="ctr"/>
+            <a:r>
+              <a:rPr lang="en-US" dirty="0" smtClean="0"/>
+              <a:t>Course service</a:t>
+            </a:r>
+            <a:endParaRPr lang="en-US" dirty="0"/>
+          </a:p>
+        </p:txBody>
+      </p:sp>
+      <p:cxnSp>
+        <p:nvCxnSpPr>
+          <p:cNvPr id="9" name="Straight Connector 8"/>
+          <p:cNvCxnSpPr>
+            <a:stCxn id="6" idx="2"/>
+          </p:cNvCxnSpPr>
+          <p:nvPr/>
+        </p:nvCxnSpPr>
+        <p:spPr>
+          <a:xfrm flipH="1">
+            <a:off x="1331258" y="1109383"/>
+            <a:ext cx="1" cy="5452782"/>
+          </a:xfrm>
+          <a:prstGeom prst="line">
+            <a:avLst/>
+          </a:prstGeom>
+        </p:spPr>
+        <p:style>
+          <a:lnRef idx="1">
+            <a:schemeClr val="accent1"/>
+          </a:lnRef>
+          <a:fillRef idx="0">
+            <a:schemeClr val="accent1"/>
+          </a:fillRef>
+          <a:effectRef idx="0">
+            <a:schemeClr val="accent1"/>
+          </a:effectRef>
+          <a:fontRef idx="minor">
+            <a:schemeClr val="tx1"/>
+          </a:fontRef>
+        </p:style>
+      </p:cxnSp>
+      <p:cxnSp>
+        <p:nvCxnSpPr>
+          <p:cNvPr id="10" name="Straight Connector 9"/>
+          <p:cNvCxnSpPr/>
+          <p:nvPr/>
+        </p:nvCxnSpPr>
+        <p:spPr>
+          <a:xfrm flipH="1">
+            <a:off x="3437963" y="1109383"/>
+            <a:ext cx="1" cy="5452782"/>
+          </a:xfrm>
+          <a:prstGeom prst="line">
+            <a:avLst/>
+          </a:prstGeom>
+        </p:spPr>
+        <p:style>
+          <a:lnRef idx="1">
+            <a:schemeClr val="accent1"/>
+          </a:lnRef>
+          <a:fillRef idx="0">
+            <a:schemeClr val="accent1"/>
+          </a:fillRef>
+          <a:effectRef idx="0">
+            <a:schemeClr val="accent1"/>
+          </a:effectRef>
+          <a:fontRef idx="minor">
+            <a:schemeClr val="tx1"/>
+          </a:fontRef>
+        </p:style>
+      </p:cxnSp>
+      <p:cxnSp>
+        <p:nvCxnSpPr>
+          <p:cNvPr id="11" name="Straight Connector 10"/>
+          <p:cNvCxnSpPr/>
+          <p:nvPr/>
+        </p:nvCxnSpPr>
+        <p:spPr>
+          <a:xfrm flipH="1">
+            <a:off x="5544668" y="1109383"/>
+            <a:ext cx="1" cy="5452782"/>
+          </a:xfrm>
+          <a:prstGeom prst="line">
+            <a:avLst/>
+          </a:prstGeom>
+        </p:spPr>
+        <p:style>
+          <a:lnRef idx="1">
+            <a:schemeClr val="accent1"/>
+          </a:lnRef>
+          <a:fillRef idx="0">
+            <a:schemeClr val="accent1"/>
+          </a:fillRef>
+          <a:effectRef idx="0">
+            <a:schemeClr val="accent1"/>
+          </a:effectRef>
+          <a:fontRef idx="minor">
+            <a:schemeClr val="tx1"/>
+          </a:fontRef>
+        </p:style>
+      </p:cxnSp>
+      <p:cxnSp>
+        <p:nvCxnSpPr>
+          <p:cNvPr id="12" name="Straight Connector 11"/>
+          <p:cNvCxnSpPr/>
+          <p:nvPr/>
+        </p:nvCxnSpPr>
+        <p:spPr>
+          <a:xfrm flipH="1">
+            <a:off x="7244054" y="1054687"/>
+            <a:ext cx="1" cy="5452782"/>
+          </a:xfrm>
+          <a:prstGeom prst="line">
+            <a:avLst/>
+          </a:prstGeom>
+        </p:spPr>
+        <p:style>
+          <a:lnRef idx="1">
+            <a:schemeClr val="accent1"/>
+          </a:lnRef>
+          <a:fillRef idx="0">
+            <a:schemeClr val="accent1"/>
+          </a:fillRef>
+          <a:effectRef idx="0">
+            <a:schemeClr val="accent1"/>
+          </a:effectRef>
+          <a:fontRef idx="minor">
+            <a:schemeClr val="tx1"/>
+          </a:fontRef>
+        </p:style>
+      </p:cxnSp>
+      <p:sp>
+        <p:nvSpPr>
+          <p:cNvPr id="13" name="Rectangle 12"/>
+          <p:cNvSpPr/>
+          <p:nvPr/>
+        </p:nvSpPr>
+        <p:spPr>
+          <a:xfrm>
+            <a:off x="463923" y="1314677"/>
+            <a:ext cx="1604682" cy="405652"/>
+          </a:xfrm>
+          <a:prstGeom prst="rect">
+            <a:avLst/>
+          </a:prstGeom>
+        </p:spPr>
+        <p:style>
+          <a:lnRef idx="2">
+            <a:schemeClr val="accent1">
+              <a:shade val="50000"/>
+            </a:schemeClr>
+          </a:lnRef>
+          <a:fillRef idx="1">
+            <a:schemeClr val="accent1"/>
+          </a:fillRef>
+          <a:effectRef idx="0">
+            <a:schemeClr val="accent1"/>
+          </a:effectRef>
+          <a:fontRef idx="minor">
+            <a:schemeClr val="lt1"/>
+          </a:fontRef>
+        </p:style>
+        <p:txBody>
+          <a:bodyPr rtlCol="0" anchor="ctr"/>
+          <a:lstStyle/>
+          <a:p>
+            <a:pPr algn="ctr"/>
+            <a:r>
+              <a:rPr lang="en-US" sz="1400" dirty="0" smtClean="0"/>
+              <a:t>POST add module</a:t>
+            </a:r>
+            <a:endParaRPr lang="en-US" sz="1400" dirty="0"/>
+          </a:p>
+        </p:txBody>
+      </p:sp>
+      <p:sp>
+        <p:nvSpPr>
+          <p:cNvPr id="14" name="Rectangle 13"/>
+          <p:cNvSpPr/>
+          <p:nvPr/>
+        </p:nvSpPr>
+        <p:spPr>
+          <a:xfrm>
+            <a:off x="2506655" y="1712033"/>
+            <a:ext cx="1604682" cy="405880"/>
+          </a:xfrm>
+          <a:prstGeom prst="rect">
+            <a:avLst/>
+          </a:prstGeom>
+        </p:spPr>
+        <p:style>
+          <a:lnRef idx="2">
+            <a:schemeClr val="accent1">
+              <a:shade val="50000"/>
+            </a:schemeClr>
+          </a:lnRef>
+          <a:fillRef idx="1">
+            <a:schemeClr val="accent1"/>
+          </a:fillRef>
+          <a:effectRef idx="0">
+            <a:schemeClr val="accent1"/>
+          </a:effectRef>
+          <a:fontRef idx="minor">
+            <a:schemeClr val="lt1"/>
+          </a:fontRef>
+        </p:style>
+        <p:txBody>
+          <a:bodyPr rtlCol="0" anchor="ctr"/>
+          <a:lstStyle/>
+          <a:p>
+            <a:pPr algn="ctr"/>
+            <a:r>
+              <a:rPr lang="en-US" sz="1400" dirty="0" smtClean="0"/>
+              <a:t>Authenticate client</a:t>
+            </a:r>
+            <a:endParaRPr lang="en-US" sz="1400" dirty="0"/>
+          </a:p>
+        </p:txBody>
+      </p:sp>
+      <p:cxnSp>
+        <p:nvCxnSpPr>
+          <p:cNvPr id="16" name="Straight Arrow Connector 15"/>
+          <p:cNvCxnSpPr>
+            <a:stCxn id="13" idx="3"/>
+          </p:cNvCxnSpPr>
+          <p:nvPr/>
+        </p:nvCxnSpPr>
+        <p:spPr>
+          <a:xfrm>
+            <a:off x="2068605" y="1517503"/>
+            <a:ext cx="1382803" cy="1120"/>
+          </a:xfrm>
+          <a:prstGeom prst="straightConnector1">
+            <a:avLst/>
+          </a:prstGeom>
+          <a:ln>
+            <a:tailEnd type="triangle"/>
+          </a:ln>
+        </p:spPr>
+        <p:style>
+          <a:lnRef idx="1">
+            <a:schemeClr val="accent1"/>
+          </a:lnRef>
+          <a:fillRef idx="0">
+            <a:schemeClr val="accent1"/>
+          </a:fillRef>
+          <a:effectRef idx="0">
+            <a:schemeClr val="accent1"/>
+          </a:effectRef>
+          <a:fontRef idx="minor">
+            <a:schemeClr val="tx1"/>
+          </a:fontRef>
+        </p:style>
+      </p:cxnSp>
+      <p:cxnSp>
+        <p:nvCxnSpPr>
+          <p:cNvPr id="18" name="Straight Arrow Connector 17"/>
+          <p:cNvCxnSpPr/>
+          <p:nvPr/>
+        </p:nvCxnSpPr>
+        <p:spPr>
+          <a:xfrm flipH="1" flipV="1">
+            <a:off x="1331258" y="3099548"/>
+            <a:ext cx="2106706" cy="6724"/>
+          </a:xfrm>
+          <a:prstGeom prst="straightConnector1">
+            <a:avLst/>
+          </a:prstGeom>
+          <a:ln>
+            <a:tailEnd type="triangle"/>
+          </a:ln>
+        </p:spPr>
+        <p:style>
+          <a:lnRef idx="1">
+            <a:schemeClr val="accent1"/>
+          </a:lnRef>
+          <a:fillRef idx="0">
+            <a:schemeClr val="accent1"/>
+          </a:fillRef>
+          <a:effectRef idx="0">
+            <a:schemeClr val="accent1"/>
+          </a:effectRef>
+          <a:fontRef idx="minor">
+            <a:schemeClr val="tx1"/>
+          </a:fontRef>
+        </p:style>
+      </p:cxnSp>
+      <p:sp>
+        <p:nvSpPr>
+          <p:cNvPr id="20" name="TextBox 19"/>
+          <p:cNvSpPr txBox="1"/>
+          <p:nvPr/>
+        </p:nvSpPr>
+        <p:spPr>
+          <a:xfrm>
+            <a:off x="1620534" y="3139222"/>
+            <a:ext cx="1500732" cy="276999"/>
+          </a:xfrm>
+          <a:prstGeom prst="rect">
+            <a:avLst/>
+          </a:prstGeom>
+          <a:noFill/>
+        </p:spPr>
+        <p:txBody>
+          <a:bodyPr wrap="none" rtlCol="0">
+            <a:spAutoFit/>
+          </a:bodyPr>
+          <a:lstStyle/>
+          <a:p>
+            <a:r>
+              <a:rPr lang="en-US" sz="1200" dirty="0" smtClean="0"/>
+              <a:t>Failed authentication</a:t>
+            </a:r>
+            <a:endParaRPr lang="en-US" sz="1200" dirty="0"/>
+          </a:p>
+        </p:txBody>
+      </p:sp>
+      <p:cxnSp>
+        <p:nvCxnSpPr>
+          <p:cNvPr id="21" name="Straight Arrow Connector 20"/>
+          <p:cNvCxnSpPr/>
+          <p:nvPr/>
+        </p:nvCxnSpPr>
+        <p:spPr>
+          <a:xfrm>
+            <a:off x="3451407" y="2870948"/>
+            <a:ext cx="2093261" cy="6723"/>
+          </a:xfrm>
+          <a:prstGeom prst="straightConnector1">
+            <a:avLst/>
+          </a:prstGeom>
+          <a:ln>
+            <a:tailEnd type="triangle"/>
+          </a:ln>
+        </p:spPr>
+        <p:style>
+          <a:lnRef idx="1">
+            <a:schemeClr val="accent1"/>
+          </a:lnRef>
+          <a:fillRef idx="0">
+            <a:schemeClr val="accent1"/>
+          </a:fillRef>
+          <a:effectRef idx="0">
+            <a:schemeClr val="accent1"/>
+          </a:effectRef>
+          <a:fontRef idx="minor">
+            <a:schemeClr val="tx1"/>
+          </a:fontRef>
+        </p:style>
+      </p:cxnSp>
+      <p:sp>
+        <p:nvSpPr>
+          <p:cNvPr id="23" name="Rectangle 22"/>
+          <p:cNvSpPr/>
+          <p:nvPr/>
+        </p:nvSpPr>
+        <p:spPr>
+          <a:xfrm>
+            <a:off x="4699785" y="2254397"/>
+            <a:ext cx="1604682" cy="458321"/>
+          </a:xfrm>
+          <a:prstGeom prst="rect">
+            <a:avLst/>
+          </a:prstGeom>
+        </p:spPr>
+        <p:style>
+          <a:lnRef idx="2">
+            <a:schemeClr val="accent1">
+              <a:shade val="50000"/>
+            </a:schemeClr>
+          </a:lnRef>
+          <a:fillRef idx="1">
+            <a:schemeClr val="accent1"/>
+          </a:fillRef>
+          <a:effectRef idx="0">
+            <a:schemeClr val="accent1"/>
+          </a:effectRef>
+          <a:fontRef idx="minor">
+            <a:schemeClr val="lt1"/>
+          </a:fontRef>
+        </p:style>
+        <p:txBody>
+          <a:bodyPr rtlCol="0" anchor="ctr"/>
+          <a:lstStyle/>
+          <a:p>
+            <a:pPr algn="ctr"/>
+            <a:r>
+              <a:rPr lang="en-US" sz="1400" dirty="0" smtClean="0"/>
+              <a:t>POST request to Course service </a:t>
+            </a:r>
+            <a:endParaRPr lang="en-US" sz="1400" dirty="0"/>
+          </a:p>
+        </p:txBody>
+      </p:sp>
+      <p:sp>
+        <p:nvSpPr>
+          <p:cNvPr id="26" name="Rectangle 25"/>
+          <p:cNvSpPr/>
+          <p:nvPr/>
+        </p:nvSpPr>
+        <p:spPr>
+          <a:xfrm>
+            <a:off x="6445116" y="2755163"/>
+            <a:ext cx="1471818" cy="473220"/>
+          </a:xfrm>
+          <a:prstGeom prst="rect">
+            <a:avLst/>
+          </a:prstGeom>
+        </p:spPr>
+        <p:style>
+          <a:lnRef idx="2">
+            <a:schemeClr val="accent1">
+              <a:shade val="50000"/>
+            </a:schemeClr>
+          </a:lnRef>
+          <a:fillRef idx="1">
+            <a:schemeClr val="accent1"/>
+          </a:fillRef>
+          <a:effectRef idx="0">
+            <a:schemeClr val="accent1"/>
+          </a:effectRef>
+          <a:fontRef idx="minor">
+            <a:schemeClr val="lt1"/>
+          </a:fontRef>
+        </p:style>
+        <p:txBody>
+          <a:bodyPr rtlCol="0" anchor="ctr"/>
+          <a:lstStyle/>
+          <a:p>
+            <a:pPr algn="ctr"/>
+            <a:r>
+              <a:rPr lang="en-US" sz="1400" dirty="0" smtClean="0"/>
+              <a:t>Save course enrolment to DB</a:t>
+            </a:r>
+            <a:endParaRPr lang="en-US" sz="1400" dirty="0"/>
+          </a:p>
+        </p:txBody>
+      </p:sp>
+      <p:sp>
+        <p:nvSpPr>
+          <p:cNvPr id="27" name="Rectangle 26"/>
+          <p:cNvSpPr/>
+          <p:nvPr/>
+        </p:nvSpPr>
+        <p:spPr>
+          <a:xfrm>
+            <a:off x="10368774" y="114300"/>
+            <a:ext cx="1734671" cy="1008530"/>
+          </a:xfrm>
+          <a:prstGeom prst="rect">
+            <a:avLst/>
+          </a:prstGeom>
+        </p:spPr>
+        <p:style>
+          <a:lnRef idx="2">
+            <a:schemeClr val="accent1">
+              <a:shade val="50000"/>
+            </a:schemeClr>
+          </a:lnRef>
+          <a:fillRef idx="1">
+            <a:schemeClr val="accent1"/>
+          </a:fillRef>
+          <a:effectRef idx="0">
+            <a:schemeClr val="accent1"/>
+          </a:effectRef>
+          <a:fontRef idx="minor">
+            <a:schemeClr val="lt1"/>
+          </a:fontRef>
+        </p:style>
+        <p:txBody>
+          <a:bodyPr rtlCol="0" anchor="ctr"/>
+          <a:lstStyle/>
+          <a:p>
+            <a:pPr algn="ctr"/>
+            <a:r>
+              <a:rPr lang="en-US" dirty="0" smtClean="0"/>
+              <a:t>RDBMS</a:t>
+            </a:r>
+            <a:endParaRPr lang="en-US" dirty="0"/>
+          </a:p>
+        </p:txBody>
+      </p:sp>
+      <p:cxnSp>
+        <p:nvCxnSpPr>
+          <p:cNvPr id="28" name="Straight Connector 27"/>
+          <p:cNvCxnSpPr/>
+          <p:nvPr/>
+        </p:nvCxnSpPr>
+        <p:spPr>
+          <a:xfrm>
+            <a:off x="11454655" y="1019736"/>
+            <a:ext cx="40163" cy="5680928"/>
+          </a:xfrm>
+          <a:prstGeom prst="line">
+            <a:avLst/>
+          </a:prstGeom>
+        </p:spPr>
+        <p:style>
+          <a:lnRef idx="1">
+            <a:schemeClr val="accent1"/>
+          </a:lnRef>
+          <a:fillRef idx="0">
+            <a:schemeClr val="accent1"/>
+          </a:fillRef>
+          <a:effectRef idx="0">
+            <a:schemeClr val="accent1"/>
+          </a:effectRef>
+          <a:fontRef idx="minor">
+            <a:schemeClr val="tx1"/>
+          </a:fontRef>
+        </p:style>
+      </p:cxnSp>
+      <p:cxnSp>
+        <p:nvCxnSpPr>
+          <p:cNvPr id="29" name="Straight Arrow Connector 28"/>
+          <p:cNvCxnSpPr/>
+          <p:nvPr/>
+        </p:nvCxnSpPr>
+        <p:spPr>
+          <a:xfrm flipV="1">
+            <a:off x="7247457" y="3359208"/>
+            <a:ext cx="4210599" cy="28033"/>
+          </a:xfrm>
+          <a:prstGeom prst="straightConnector1">
+            <a:avLst/>
+          </a:prstGeom>
+          <a:ln>
+            <a:tailEnd type="triangle"/>
+          </a:ln>
+        </p:spPr>
+        <p:style>
+          <a:lnRef idx="1">
+            <a:schemeClr val="accent1"/>
+          </a:lnRef>
+          <a:fillRef idx="0">
+            <a:schemeClr val="accent1"/>
+          </a:fillRef>
+          <a:effectRef idx="0">
+            <a:schemeClr val="accent1"/>
+          </a:effectRef>
+          <a:fontRef idx="minor">
+            <a:schemeClr val="tx1"/>
+          </a:fontRef>
+        </p:style>
+      </p:cxnSp>
+      <p:sp>
+        <p:nvSpPr>
+          <p:cNvPr id="32" name="Rectangle 31"/>
+          <p:cNvSpPr/>
+          <p:nvPr/>
+        </p:nvSpPr>
+        <p:spPr>
+          <a:xfrm>
+            <a:off x="11194733" y="3416221"/>
+            <a:ext cx="616781" cy="448445"/>
+          </a:xfrm>
+          <a:prstGeom prst="rect">
+            <a:avLst/>
+          </a:prstGeom>
+        </p:spPr>
+        <p:style>
+          <a:lnRef idx="2">
+            <a:schemeClr val="accent1">
+              <a:shade val="50000"/>
+            </a:schemeClr>
+          </a:lnRef>
+          <a:fillRef idx="1">
+            <a:schemeClr val="accent1"/>
+          </a:fillRef>
+          <a:effectRef idx="0">
+            <a:schemeClr val="accent1"/>
+          </a:effectRef>
+          <a:fontRef idx="minor">
+            <a:schemeClr val="lt1"/>
+          </a:fontRef>
+        </p:style>
+        <p:txBody>
+          <a:bodyPr rtlCol="0" anchor="ctr"/>
+          <a:lstStyle/>
+          <a:p>
+            <a:pPr algn="ctr"/>
+            <a:r>
+              <a:rPr lang="en-US" sz="1400" dirty="0" smtClean="0"/>
+              <a:t>Save data</a:t>
+            </a:r>
+            <a:endParaRPr lang="en-US" sz="1400" dirty="0"/>
+          </a:p>
+        </p:txBody>
+      </p:sp>
+      <p:sp>
+        <p:nvSpPr>
+          <p:cNvPr id="35" name="TextBox 34"/>
+          <p:cNvSpPr txBox="1"/>
+          <p:nvPr/>
+        </p:nvSpPr>
+        <p:spPr>
+          <a:xfrm>
+            <a:off x="7231769" y="4394962"/>
+            <a:ext cx="2166747" cy="461665"/>
+          </a:xfrm>
+          <a:prstGeom prst="rect">
+            <a:avLst/>
+          </a:prstGeom>
+          <a:noFill/>
+        </p:spPr>
+        <p:txBody>
+          <a:bodyPr wrap="none" rtlCol="0">
+            <a:spAutoFit/>
+          </a:bodyPr>
+          <a:lstStyle/>
+          <a:p>
+            <a:r>
+              <a:rPr lang="en-US" sz="1200" dirty="0" smtClean="0"/>
+              <a:t>Enrol user on all child modules </a:t>
+            </a:r>
+          </a:p>
+          <a:p>
+            <a:r>
+              <a:rPr lang="en-US" sz="1200" dirty="0" smtClean="0"/>
+              <a:t>of the course</a:t>
+            </a:r>
+            <a:endParaRPr lang="en-US" sz="1200" dirty="0"/>
+          </a:p>
+        </p:txBody>
+      </p:sp>
+      <p:cxnSp>
+        <p:nvCxnSpPr>
+          <p:cNvPr id="36" name="Straight Arrow Connector 35"/>
+          <p:cNvCxnSpPr/>
+          <p:nvPr/>
+        </p:nvCxnSpPr>
+        <p:spPr>
+          <a:xfrm flipH="1" flipV="1">
+            <a:off x="5544668" y="6310355"/>
+            <a:ext cx="3705760" cy="13890"/>
+          </a:xfrm>
+          <a:prstGeom prst="straightConnector1">
+            <a:avLst/>
+          </a:prstGeom>
+          <a:ln>
+            <a:tailEnd type="triangle"/>
+          </a:ln>
+        </p:spPr>
+        <p:style>
+          <a:lnRef idx="1">
+            <a:schemeClr val="accent1"/>
+          </a:lnRef>
+          <a:fillRef idx="0">
+            <a:schemeClr val="accent1"/>
+          </a:fillRef>
+          <a:effectRef idx="0">
+            <a:schemeClr val="accent1"/>
+          </a:effectRef>
+          <a:fontRef idx="minor">
+            <a:schemeClr val="tx1"/>
+          </a:fontRef>
+        </p:style>
+      </p:cxnSp>
+      <p:sp>
+        <p:nvSpPr>
+          <p:cNvPr id="41" name="TextBox 40"/>
+          <p:cNvSpPr txBox="1"/>
+          <p:nvPr/>
+        </p:nvSpPr>
+        <p:spPr>
+          <a:xfrm>
+            <a:off x="7618605" y="6324254"/>
+            <a:ext cx="1227067" cy="276999"/>
+          </a:xfrm>
+          <a:prstGeom prst="rect">
+            <a:avLst/>
+          </a:prstGeom>
+          <a:noFill/>
+        </p:spPr>
+        <p:txBody>
+          <a:bodyPr wrap="none" rtlCol="0">
+            <a:spAutoFit/>
+          </a:bodyPr>
+          <a:lstStyle/>
+          <a:p>
+            <a:r>
+              <a:rPr lang="en-US" sz="1200" dirty="0" smtClean="0"/>
+              <a:t>Response status </a:t>
+            </a:r>
+            <a:endParaRPr lang="en-US" sz="1200" dirty="0"/>
+          </a:p>
+        </p:txBody>
+      </p:sp>
+      <p:sp>
+        <p:nvSpPr>
+          <p:cNvPr id="43" name="TextBox 42"/>
+          <p:cNvSpPr txBox="1"/>
+          <p:nvPr/>
+        </p:nvSpPr>
+        <p:spPr>
+          <a:xfrm>
+            <a:off x="3863224" y="6423665"/>
+            <a:ext cx="1227067" cy="276999"/>
+          </a:xfrm>
+          <a:prstGeom prst="rect">
+            <a:avLst/>
+          </a:prstGeom>
+          <a:noFill/>
+        </p:spPr>
+        <p:txBody>
+          <a:bodyPr wrap="none" rtlCol="0">
+            <a:spAutoFit/>
+          </a:bodyPr>
+          <a:lstStyle/>
+          <a:p>
+            <a:r>
+              <a:rPr lang="en-US" sz="1200" dirty="0" smtClean="0"/>
+              <a:t>Response status </a:t>
+            </a:r>
+            <a:endParaRPr lang="en-US" sz="1200" dirty="0"/>
+          </a:p>
+        </p:txBody>
+      </p:sp>
+      <p:cxnSp>
+        <p:nvCxnSpPr>
+          <p:cNvPr id="44" name="Straight Arrow Connector 43"/>
+          <p:cNvCxnSpPr/>
+          <p:nvPr/>
+        </p:nvCxnSpPr>
+        <p:spPr>
+          <a:xfrm flipH="1">
+            <a:off x="1308955" y="6436707"/>
+            <a:ext cx="4235713" cy="7055"/>
+          </a:xfrm>
+          <a:prstGeom prst="straightConnector1">
+            <a:avLst/>
+          </a:prstGeom>
+          <a:ln>
+            <a:tailEnd type="triangle"/>
+          </a:ln>
+        </p:spPr>
+        <p:style>
+          <a:lnRef idx="1">
+            <a:schemeClr val="accent1"/>
+          </a:lnRef>
+          <a:fillRef idx="0">
+            <a:schemeClr val="accent1"/>
+          </a:fillRef>
+          <a:effectRef idx="0">
+            <a:schemeClr val="accent1"/>
+          </a:effectRef>
+          <a:fontRef idx="minor">
+            <a:schemeClr val="tx1"/>
+          </a:fontRef>
+        </p:style>
+      </p:cxnSp>
+      <p:sp>
+        <p:nvSpPr>
+          <p:cNvPr id="51" name="Rectangle 50"/>
+          <p:cNvSpPr/>
+          <p:nvPr/>
+        </p:nvSpPr>
+        <p:spPr>
+          <a:xfrm>
+            <a:off x="8361772" y="114300"/>
+            <a:ext cx="1734671" cy="1008530"/>
+          </a:xfrm>
+          <a:prstGeom prst="rect">
+            <a:avLst/>
+          </a:prstGeom>
+        </p:spPr>
+        <p:style>
+          <a:lnRef idx="2">
+            <a:schemeClr val="accent1">
+              <a:shade val="50000"/>
+            </a:schemeClr>
+          </a:lnRef>
+          <a:fillRef idx="1">
+            <a:schemeClr val="accent1"/>
+          </a:fillRef>
+          <a:effectRef idx="0">
+            <a:schemeClr val="accent1"/>
+          </a:effectRef>
+          <a:fontRef idx="minor">
+            <a:schemeClr val="lt1"/>
+          </a:fontRef>
+        </p:style>
+        <p:txBody>
+          <a:bodyPr rtlCol="0" anchor="ctr"/>
+          <a:lstStyle/>
+          <a:p>
+            <a:pPr algn="ctr"/>
+            <a:r>
+              <a:rPr lang="en-US" dirty="0" smtClean="0"/>
+              <a:t>Module service</a:t>
+            </a:r>
+            <a:endParaRPr lang="en-US" dirty="0"/>
+          </a:p>
+        </p:txBody>
+      </p:sp>
+      <p:cxnSp>
+        <p:nvCxnSpPr>
+          <p:cNvPr id="52" name="Straight Connector 51"/>
+          <p:cNvCxnSpPr/>
+          <p:nvPr/>
+        </p:nvCxnSpPr>
+        <p:spPr>
+          <a:xfrm>
+            <a:off x="9250426" y="1101753"/>
+            <a:ext cx="11767" cy="5598911"/>
+          </a:xfrm>
+          <a:prstGeom prst="line">
+            <a:avLst/>
+          </a:prstGeom>
+        </p:spPr>
+        <p:style>
+          <a:lnRef idx="1">
+            <a:schemeClr val="accent1"/>
+          </a:lnRef>
+          <a:fillRef idx="0">
+            <a:schemeClr val="accent1"/>
+          </a:fillRef>
+          <a:effectRef idx="0">
+            <a:schemeClr val="accent1"/>
+          </a:effectRef>
+          <a:fontRef idx="minor">
+            <a:schemeClr val="tx1"/>
+          </a:fontRef>
+        </p:style>
+      </p:cxnSp>
+      <p:cxnSp>
+        <p:nvCxnSpPr>
+          <p:cNvPr id="55" name="Straight Arrow Connector 54"/>
+          <p:cNvCxnSpPr/>
+          <p:nvPr/>
+        </p:nvCxnSpPr>
+        <p:spPr>
+          <a:xfrm flipH="1">
+            <a:off x="7247457" y="3585892"/>
+            <a:ext cx="4210598" cy="15191"/>
+          </a:xfrm>
+          <a:prstGeom prst="straightConnector1">
+            <a:avLst/>
+          </a:prstGeom>
+          <a:ln>
+            <a:tailEnd type="triangle"/>
+          </a:ln>
+        </p:spPr>
+        <p:style>
+          <a:lnRef idx="1">
+            <a:schemeClr val="accent1"/>
+          </a:lnRef>
+          <a:fillRef idx="0">
+            <a:schemeClr val="accent1"/>
+          </a:fillRef>
+          <a:effectRef idx="0">
+            <a:schemeClr val="accent1"/>
+          </a:effectRef>
+          <a:fontRef idx="minor">
+            <a:schemeClr val="tx1"/>
+          </a:fontRef>
+        </p:style>
+      </p:cxnSp>
+      <p:sp>
+        <p:nvSpPr>
+          <p:cNvPr id="57" name="TextBox 56"/>
+          <p:cNvSpPr txBox="1"/>
+          <p:nvPr/>
+        </p:nvSpPr>
+        <p:spPr>
+          <a:xfrm>
+            <a:off x="9431643" y="3575193"/>
+            <a:ext cx="1402115" cy="307777"/>
+          </a:xfrm>
+          <a:prstGeom prst="rect">
+            <a:avLst/>
+          </a:prstGeom>
+          <a:noFill/>
+        </p:spPr>
+        <p:txBody>
+          <a:bodyPr wrap="none" rtlCol="0">
+            <a:spAutoFit/>
+          </a:bodyPr>
+          <a:lstStyle/>
+          <a:p>
+            <a:r>
+              <a:rPr lang="en-US" sz="1400" dirty="0" smtClean="0"/>
+              <a:t>Response status </a:t>
+            </a:r>
+            <a:endParaRPr lang="en-US" sz="1400" dirty="0"/>
+          </a:p>
+        </p:txBody>
+      </p:sp>
+      <p:sp>
+        <p:nvSpPr>
+          <p:cNvPr id="58" name="Rectangle 57"/>
+          <p:cNvSpPr/>
+          <p:nvPr/>
+        </p:nvSpPr>
+        <p:spPr>
+          <a:xfrm>
+            <a:off x="6445116" y="3714330"/>
+            <a:ext cx="1604682" cy="498104"/>
+          </a:xfrm>
+          <a:prstGeom prst="rect">
+            <a:avLst/>
+          </a:prstGeom>
+        </p:spPr>
+        <p:style>
+          <a:lnRef idx="2">
+            <a:schemeClr val="accent1">
+              <a:shade val="50000"/>
+            </a:schemeClr>
+          </a:lnRef>
+          <a:fillRef idx="1">
+            <a:schemeClr val="accent1"/>
+          </a:fillRef>
+          <a:effectRef idx="0">
+            <a:schemeClr val="accent1"/>
+          </a:effectRef>
+          <a:fontRef idx="minor">
+            <a:schemeClr val="lt1"/>
+          </a:fontRef>
+        </p:style>
+        <p:txBody>
+          <a:bodyPr rtlCol="0" anchor="ctr"/>
+          <a:lstStyle/>
+          <a:p>
+            <a:pPr algn="ctr"/>
+            <a:r>
+              <a:rPr lang="en-US" sz="1400" dirty="0" smtClean="0"/>
+              <a:t>POST request to Module service </a:t>
+            </a:r>
+            <a:endParaRPr lang="en-US" sz="1400" dirty="0"/>
+          </a:p>
+        </p:txBody>
+      </p:sp>
+      <p:cxnSp>
+        <p:nvCxnSpPr>
+          <p:cNvPr id="59" name="Straight Arrow Connector 58"/>
+          <p:cNvCxnSpPr/>
+          <p:nvPr/>
+        </p:nvCxnSpPr>
+        <p:spPr>
+          <a:xfrm flipV="1">
+            <a:off x="7231769" y="4362718"/>
+            <a:ext cx="2000741" cy="9066"/>
+          </a:xfrm>
+          <a:prstGeom prst="straightConnector1">
+            <a:avLst/>
+          </a:prstGeom>
+          <a:ln>
+            <a:tailEnd type="triangle"/>
+          </a:ln>
+        </p:spPr>
+        <p:style>
+          <a:lnRef idx="1">
+            <a:schemeClr val="accent1"/>
+          </a:lnRef>
+          <a:fillRef idx="0">
+            <a:schemeClr val="accent1"/>
+          </a:fillRef>
+          <a:effectRef idx="0">
+            <a:schemeClr val="accent1"/>
+          </a:effectRef>
+          <a:fontRef idx="minor">
+            <a:schemeClr val="tx1"/>
+          </a:fontRef>
+        </p:style>
+      </p:cxnSp>
+      <p:cxnSp>
+        <p:nvCxnSpPr>
+          <p:cNvPr id="61" name="Straight Arrow Connector 60"/>
+          <p:cNvCxnSpPr/>
+          <p:nvPr/>
+        </p:nvCxnSpPr>
+        <p:spPr>
+          <a:xfrm>
+            <a:off x="9232510" y="5433053"/>
+            <a:ext cx="2284941" cy="4150"/>
+          </a:xfrm>
+          <a:prstGeom prst="straightConnector1">
+            <a:avLst/>
+          </a:prstGeom>
+          <a:ln>
+            <a:tailEnd type="triangle"/>
+          </a:ln>
+        </p:spPr>
+        <p:style>
+          <a:lnRef idx="1">
+            <a:schemeClr val="accent1"/>
+          </a:lnRef>
+          <a:fillRef idx="0">
+            <a:schemeClr val="accent1"/>
+          </a:fillRef>
+          <a:effectRef idx="0">
+            <a:schemeClr val="accent1"/>
+          </a:effectRef>
+          <a:fontRef idx="minor">
+            <a:schemeClr val="tx1"/>
+          </a:fontRef>
+        </p:style>
+      </p:cxnSp>
+      <p:sp>
+        <p:nvSpPr>
+          <p:cNvPr id="63" name="Rectangle 62"/>
+          <p:cNvSpPr/>
+          <p:nvPr/>
+        </p:nvSpPr>
+        <p:spPr>
+          <a:xfrm>
+            <a:off x="8485557" y="4856627"/>
+            <a:ext cx="1471818" cy="473220"/>
+          </a:xfrm>
+          <a:prstGeom prst="rect">
+            <a:avLst/>
+          </a:prstGeom>
+        </p:spPr>
+        <p:style>
+          <a:lnRef idx="2">
+            <a:schemeClr val="accent1">
+              <a:shade val="50000"/>
+            </a:schemeClr>
+          </a:lnRef>
+          <a:fillRef idx="1">
+            <a:schemeClr val="accent1"/>
+          </a:fillRef>
+          <a:effectRef idx="0">
+            <a:schemeClr val="accent1"/>
+          </a:effectRef>
+          <a:fontRef idx="minor">
+            <a:schemeClr val="lt1"/>
+          </a:fontRef>
+        </p:style>
+        <p:txBody>
+          <a:bodyPr rtlCol="0" anchor="ctr"/>
+          <a:lstStyle/>
+          <a:p>
+            <a:pPr algn="ctr"/>
+            <a:r>
+              <a:rPr lang="en-US" sz="1200" dirty="0" smtClean="0"/>
+              <a:t>Save module</a:t>
+            </a:r>
+          </a:p>
+          <a:p>
+            <a:pPr algn="ctr"/>
+            <a:r>
+              <a:rPr lang="en-US" sz="1200" dirty="0" smtClean="0"/>
+              <a:t>enrolments to DB</a:t>
+            </a:r>
+            <a:endParaRPr lang="en-US" sz="1200" dirty="0"/>
+          </a:p>
+        </p:txBody>
+      </p:sp>
+      <p:sp>
+        <p:nvSpPr>
+          <p:cNvPr id="70" name="TextBox 69"/>
+          <p:cNvSpPr txBox="1"/>
+          <p:nvPr/>
+        </p:nvSpPr>
+        <p:spPr>
+          <a:xfrm>
+            <a:off x="9792618" y="6076581"/>
+            <a:ext cx="1402115" cy="307777"/>
+          </a:xfrm>
+          <a:prstGeom prst="rect">
+            <a:avLst/>
+          </a:prstGeom>
+          <a:noFill/>
+        </p:spPr>
+        <p:txBody>
+          <a:bodyPr wrap="none" rtlCol="0">
+            <a:spAutoFit/>
+          </a:bodyPr>
+          <a:lstStyle/>
+          <a:p>
+            <a:r>
+              <a:rPr lang="en-US" sz="1400" dirty="0" smtClean="0"/>
+              <a:t>Response status </a:t>
+            </a:r>
+            <a:endParaRPr lang="en-US" sz="1400" dirty="0"/>
+          </a:p>
+        </p:txBody>
+      </p:sp>
+      <p:cxnSp>
+        <p:nvCxnSpPr>
+          <p:cNvPr id="71" name="Straight Arrow Connector 70"/>
+          <p:cNvCxnSpPr/>
+          <p:nvPr/>
+        </p:nvCxnSpPr>
+        <p:spPr>
+          <a:xfrm flipH="1" flipV="1">
+            <a:off x="9229108" y="6065901"/>
+            <a:ext cx="2288343" cy="31204"/>
+          </a:xfrm>
+          <a:prstGeom prst="straightConnector1">
+            <a:avLst/>
+          </a:prstGeom>
+          <a:ln>
+            <a:tailEnd type="triangle"/>
+          </a:ln>
+        </p:spPr>
+        <p:style>
+          <a:lnRef idx="1">
+            <a:schemeClr val="accent1"/>
+          </a:lnRef>
+          <a:fillRef idx="0">
+            <a:schemeClr val="accent1"/>
+          </a:fillRef>
+          <a:effectRef idx="0">
+            <a:schemeClr val="accent1"/>
+          </a:effectRef>
+          <a:fontRef idx="minor">
+            <a:schemeClr val="tx1"/>
+          </a:fontRef>
+        </p:style>
+      </p:cxnSp>
+      <p:sp>
+        <p:nvSpPr>
+          <p:cNvPr id="77" name="Rectangle 76"/>
+          <p:cNvSpPr/>
+          <p:nvPr/>
+        </p:nvSpPr>
+        <p:spPr>
+          <a:xfrm>
+            <a:off x="11177662" y="5519358"/>
+            <a:ext cx="616781" cy="448445"/>
+          </a:xfrm>
+          <a:prstGeom prst="rect">
+            <a:avLst/>
+          </a:prstGeom>
+        </p:spPr>
+        <p:style>
+          <a:lnRef idx="2">
+            <a:schemeClr val="accent1">
+              <a:shade val="50000"/>
+            </a:schemeClr>
+          </a:lnRef>
+          <a:fillRef idx="1">
+            <a:schemeClr val="accent1"/>
+          </a:fillRef>
+          <a:effectRef idx="0">
+            <a:schemeClr val="accent1"/>
+          </a:effectRef>
+          <a:fontRef idx="minor">
+            <a:schemeClr val="lt1"/>
+          </a:fontRef>
+        </p:style>
+        <p:txBody>
+          <a:bodyPr rtlCol="0" anchor="ctr"/>
+          <a:lstStyle/>
+          <a:p>
+            <a:pPr algn="ctr"/>
+            <a:r>
+              <a:rPr lang="en-US" sz="1400" dirty="0" smtClean="0"/>
+              <a:t>Save data</a:t>
+            </a:r>
+            <a:endParaRPr lang="en-US" sz="1400" dirty="0"/>
+          </a:p>
+        </p:txBody>
+      </p:sp>
+    </p:spTree>
+    <p:extLst>
+      <p:ext uri="{BB962C8B-B14F-4D97-AF65-F5344CB8AC3E}">
+        <p14:creationId xmlns:p14="http://schemas.microsoft.com/office/powerpoint/2010/main" val="252015040"/>
+      </p:ext>
+    </p:extLst>
+  </p:cSld>
+  <p:clrMapOvr>
+    <a:masterClrMapping/>
+  </p:clrMapOvr>
+</p:sld>
+</file>
+
 <file path=ppt/theme/theme1.xml><?xml version="1.0" encoding="utf-8"?>
 <a:theme xmlns:a="http://schemas.openxmlformats.org/drawingml/2006/main" name="Office Theme">
   <a:themeElements>
